--- a/Dokumentation/thermostat_presentation.pptx
+++ b/Dokumentation/thermostat_presentation.pptx
@@ -236,7 +236,7 @@
           <a:p>
             <a:fld id="{CF93AEB5-C303-4762-90A0-AF697EB357C4}" type="datetimeFigureOut">
               <a:rPr lang="de-DE" smtClean="0"/>
-              <a:t>13.01.2023</a:t>
+              <a:t>14.01.2023</a:t>
             </a:fld>
             <a:endParaRPr lang="de-DE"/>
           </a:p>
@@ -19246,83 +19246,164 @@
           </a:p>
         </p:txBody>
       </p:sp>
-      <p:sp>
-        <p:nvSpPr>
-          <p:cNvPr id="6" name="Vertical Text Placeholder 5">
+      <mc:AlternateContent xmlns:mc="http://schemas.openxmlformats.org/markup-compatibility/2006">
+        <mc:Choice xmlns:a14="http://schemas.microsoft.com/office/drawing/2010/main" Requires="a14">
+          <p:sp>
+            <p:nvSpPr>
+              <p:cNvPr id="6" name="Vertical Text Placeholder 5">
+                <a:extLst>
+                  <a:ext uri="{FF2B5EF4-FFF2-40B4-BE49-F238E27FC236}">
+                    <a16:creationId xmlns:a16="http://schemas.microsoft.com/office/drawing/2014/main" id="{0F64B95C-7E5A-58F5-8FF3-0EB359BA0D9A}"/>
+                  </a:ext>
+                </a:extLst>
+              </p:cNvPr>
+              <p:cNvSpPr>
+                <a:spLocks noGrp="1"/>
+              </p:cNvSpPr>
+              <p:nvPr>
+                <p:ph type="body" orient="vert" idx="13"/>
+              </p:nvPr>
+            </p:nvSpPr>
+            <p:spPr>
+              <a:xfrm>
+                <a:off x="406401" y="2160588"/>
+                <a:ext cx="4703481" cy="4083050"/>
+              </a:xfrm>
+            </p:spPr>
+            <p:txBody>
+              <a:bodyPr/>
+              <a:lstStyle/>
+              <a:p>
+                <a:r>
+                  <a:rPr lang="de-DE" dirty="0"/>
+                  <a:t>6-Punkt-Hysterese-Regelung</a:t>
+                </a:r>
+              </a:p>
+              <a:p>
+                <a:pPr marL="342900" indent="-342900">
+                  <a:buFont typeface="Arial" panose="020B0604020202020204" pitchFamily="34" charset="0"/>
+                  <a:buChar char="•"/>
+                </a:pPr>
+                <a:r>
+                  <a:rPr lang="de-DE" dirty="0"/>
+                  <a:t>Stufen 0 bis 5 </a:t>
+                </a:r>
+              </a:p>
+              <a:p>
+                <a:pPr marL="342900" indent="-342900">
+                  <a:buFont typeface="Arial" panose="020B0604020202020204" pitchFamily="34" charset="0"/>
+                  <a:buChar char="•"/>
+                </a:pPr>
+                <a:r>
+                  <a:rPr lang="de-DE" dirty="0"/>
+                  <a:t>Je 2°C Temperaturdifferenz</a:t>
+                </a:r>
+              </a:p>
+              <a:p>
+                <a:pPr marL="342900" indent="-342900">
+                  <a:buFont typeface="Arial" panose="020B0604020202020204" pitchFamily="34" charset="0"/>
+                  <a:buChar char="•"/>
+                </a:pPr>
+                <a14:m>
+                  <m:oMath xmlns:m="http://schemas.openxmlformats.org/officeDocument/2006/math">
+                    <m:r>
+                      <a:rPr lang="de-DE" b="0" i="1" smtClean="0">
+                        <a:latin typeface="Cambria Math" panose="02040503050406030204" pitchFamily="18" charset="0"/>
+                      </a:rPr>
+                      <m:t>±</m:t>
+                    </m:r>
+                  </m:oMath>
+                </a14:m>
+                <a:r>
+                  <a:rPr lang="de-DE" dirty="0"/>
+                  <a:t>0,5°C Hysterese</a:t>
+                </a:r>
+              </a:p>
+              <a:p>
+                <a:pPr marL="342900" indent="-342900">
+                  <a:buFont typeface="Arial" panose="020B0604020202020204" pitchFamily="34" charset="0"/>
+                  <a:buChar char="•"/>
+                </a:pPr>
+                <a:r>
+                  <a:rPr lang="de-DE" dirty="0"/>
+                  <a:t>Initialstufe ohne Hysterese </a:t>
+                </a:r>
+              </a:p>
+            </p:txBody>
+          </p:sp>
+        </mc:Choice>
+        <mc:Fallback>
+          <p:sp>
+            <p:nvSpPr>
+              <p:cNvPr id="6" name="Vertical Text Placeholder 5">
+                <a:extLst>
+                  <a:ext uri="{FF2B5EF4-FFF2-40B4-BE49-F238E27FC236}">
+                    <a16:creationId xmlns:a16="http://schemas.microsoft.com/office/drawing/2014/main" id="{0F64B95C-7E5A-58F5-8FF3-0EB359BA0D9A}"/>
+                  </a:ext>
+                </a:extLst>
+              </p:cNvPr>
+              <p:cNvSpPr>
+                <a:spLocks noGrp="1" noRot="1" noChangeAspect="1" noMove="1" noResize="1" noEditPoints="1" noAdjustHandles="1" noChangeArrowheads="1" noChangeShapeType="1" noTextEdit="1"/>
+              </p:cNvSpPr>
+              <p:nvPr>
+                <p:ph type="body" orient="vert" idx="13"/>
+              </p:nvPr>
+            </p:nvSpPr>
+            <p:spPr>
+              <a:xfrm>
+                <a:off x="406401" y="2160588"/>
+                <a:ext cx="4703481" cy="4083050"/>
+              </a:xfrm>
+              <a:blipFill>
+                <a:blip r:embed="rId2"/>
+                <a:stretch>
+                  <a:fillRect l="-3632" t="-2090"/>
+                </a:stretch>
+              </a:blipFill>
+            </p:spPr>
+            <p:txBody>
+              <a:bodyPr/>
+              <a:lstStyle/>
+              <a:p>
+                <a:r>
+                  <a:rPr lang="de-DE">
+                    <a:noFill/>
+                  </a:rPr>
+                  <a:t> </a:t>
+                </a:r>
+              </a:p>
+            </p:txBody>
+          </p:sp>
+        </mc:Fallback>
+      </mc:AlternateContent>
+      <p:pic>
+        <p:nvPicPr>
+          <p:cNvPr id="16" name="Picture 15">
             <a:extLst>
               <a:ext uri="{FF2B5EF4-FFF2-40B4-BE49-F238E27FC236}">
-                <a16:creationId xmlns:a16="http://schemas.microsoft.com/office/drawing/2014/main" id="{0F64B95C-7E5A-58F5-8FF3-0EB359BA0D9A}"/>
-              </a:ext>
-            </a:extLst>
-          </p:cNvPr>
-          <p:cNvSpPr>
-            <a:spLocks noGrp="1"/>
-          </p:cNvSpPr>
-          <p:nvPr>
-            <p:ph type="body" orient="vert" idx="13"/>
-          </p:nvPr>
-        </p:nvSpPr>
-        <p:spPr>
-          <a:xfrm>
-            <a:off x="406401" y="2160588"/>
-            <a:ext cx="5689599" cy="4083050"/>
-          </a:xfrm>
-        </p:spPr>
-        <p:txBody>
-          <a:bodyPr/>
-          <a:lstStyle/>
-          <a:p>
-            <a:r>
-              <a:rPr lang="de-DE" dirty="0"/>
-              <a:t>Blabla</a:t>
-            </a:r>
-          </a:p>
-        </p:txBody>
-      </p:sp>
-      <p:pic>
-        <p:nvPicPr>
-          <p:cNvPr id="8" name="Picture Placeholder 7" descr="Chart&#10;&#10;Description automatically generated">
-            <a:extLst>
-              <a:ext uri="{FF2B5EF4-FFF2-40B4-BE49-F238E27FC236}">
-                <a16:creationId xmlns:a16="http://schemas.microsoft.com/office/drawing/2014/main" id="{739A6527-90E6-127E-B613-47AF834E6410}"/>
+                <a16:creationId xmlns:a16="http://schemas.microsoft.com/office/drawing/2014/main" id="{58403BF5-36CB-8928-BAE2-CDCD0C10913E}"/>
               </a:ext>
             </a:extLst>
           </p:cNvPr>
           <p:cNvPicPr>
-            <a:picLocks noGrp="1" noChangeAspect="1"/>
+            <a:picLocks noChangeAspect="1"/>
           </p:cNvPicPr>
-          <p:nvPr>
-            <p:ph type="pic" idx="15"/>
-          </p:nvPr>
+          <p:nvPr/>
         </p:nvPicPr>
-        <p:blipFill rotWithShape="1">
-          <a:blip r:embed="rId2">
-            <a:extLst>
-              <a:ext uri="{28A0092B-C50C-407E-A947-70E740481C1C}">
-                <a14:useLocalDpi xmlns:a14="http://schemas.microsoft.com/office/drawing/2010/main" val="0"/>
-              </a:ext>
-            </a:extLst>
-          </a:blip>
-          <a:srcRect l="4915" r="4915"/>
-          <a:stretch/>
+        <p:blipFill>
+          <a:blip r:embed="rId3"/>
+          <a:stretch>
+            <a:fillRect/>
+          </a:stretch>
         </p:blipFill>
-        <p:spPr bwMode="auto">
+        <p:spPr>
           <a:xfrm>
-            <a:off x="6217920" y="2160588"/>
-            <a:ext cx="5566622" cy="4102587"/>
+            <a:off x="5021310" y="2078992"/>
+            <a:ext cx="6762180" cy="4164645"/>
           </a:xfrm>
           <a:prstGeom prst="rect">
             <a:avLst/>
           </a:prstGeom>
-          <a:noFill/>
-          <a:ln>
-            <a:noFill/>
-          </a:ln>
-          <a:extLst>
-            <a:ext uri="{53640926-AAD7-44D8-BBD7-CCE9431645EC}">
-              <a14:shadowObscured xmlns:a14="http://schemas.microsoft.com/office/drawing/2010/main"/>
-            </a:ext>
-          </a:extLst>
         </p:spPr>
       </p:pic>
     </p:spTree>
@@ -19469,48 +19550,2890 @@
           <a:lstStyle/>
           <a:p>
             <a:r>
-              <a:rPr lang="de-DE" dirty="0" err="1"/>
-              <a:t>Softwarearchtektur</a:t>
+              <a:rPr lang="de-DE" dirty="0"/>
+              <a:t>Softwarearchitektur</a:t>
             </a:r>
             <a:br>
               <a:rPr lang="de-DE" dirty="0"/>
             </a:br>
             <a:r>
               <a:rPr lang="de-DE" b="0" dirty="0"/>
-              <a:t>Sensoren/Aktoren</a:t>
+              <a:t>Aktoren</a:t>
             </a:r>
             <a:endParaRPr lang="de-DE" dirty="0"/>
           </a:p>
         </p:txBody>
       </p:sp>
-      <p:sp>
-        <p:nvSpPr>
-          <p:cNvPr id="6" name="Content Placeholder 5">
+      <mc:AlternateContent xmlns:mc="http://schemas.openxmlformats.org/markup-compatibility/2006">
+        <mc:Choice xmlns:a14="http://schemas.microsoft.com/office/drawing/2010/main" Requires="a14">
+          <p:graphicFrame>
+            <p:nvGraphicFramePr>
+              <p:cNvPr id="14" name="Table 13">
+                <a:extLst>
+                  <a:ext uri="{FF2B5EF4-FFF2-40B4-BE49-F238E27FC236}">
+                    <a16:creationId xmlns:a16="http://schemas.microsoft.com/office/drawing/2014/main" id="{A1D9422D-57C5-73FF-61A8-E938FD6371DB}"/>
+                  </a:ext>
+                </a:extLst>
+              </p:cNvPr>
+              <p:cNvGraphicFramePr>
+                <a:graphicFrameLocks noGrp="1"/>
+              </p:cNvGraphicFramePr>
+              <p:nvPr>
+                <p:extLst>
+                  <p:ext uri="{D42A27DB-BD31-4B8C-83A1-F6EECF244321}">
+                    <p14:modId xmlns:p14="http://schemas.microsoft.com/office/powerpoint/2010/main" val="1758750448"/>
+                  </p:ext>
+                </p:extLst>
+              </p:nvPr>
+            </p:nvGraphicFramePr>
+            <p:xfrm>
+              <a:off x="406397" y="2356619"/>
+              <a:ext cx="5123034" cy="2926080"/>
+            </p:xfrm>
+            <a:graphic>
+              <a:graphicData uri="http://schemas.openxmlformats.org/drawingml/2006/table">
+                <a:tbl>
+                  <a:tblPr firstRow="1" firstCol="1" bandRow="1">
+                    <a:tableStyleId>{69012ECD-51FC-41F1-AA8D-1B2483CD663E}</a:tableStyleId>
+                  </a:tblPr>
+                  <a:tblGrid>
+                    <a:gridCol w="1574655">
+                      <a:extLst>
+                        <a:ext uri="{9D8B030D-6E8A-4147-A177-3AD203B41FA5}">
+                          <a16:colId xmlns:a16="http://schemas.microsoft.com/office/drawing/2014/main" val="1507821973"/>
+                        </a:ext>
+                      </a:extLst>
+                    </a:gridCol>
+                    <a:gridCol w="2025533">
+                      <a:extLst>
+                        <a:ext uri="{9D8B030D-6E8A-4147-A177-3AD203B41FA5}">
+                          <a16:colId xmlns:a16="http://schemas.microsoft.com/office/drawing/2014/main" val="3522949627"/>
+                        </a:ext>
+                      </a:extLst>
+                    </a:gridCol>
+                    <a:gridCol w="1522846">
+                      <a:extLst>
+                        <a:ext uri="{9D8B030D-6E8A-4147-A177-3AD203B41FA5}">
+                          <a16:colId xmlns:a16="http://schemas.microsoft.com/office/drawing/2014/main" val="2699094900"/>
+                        </a:ext>
+                      </a:extLst>
+                    </a:gridCol>
+                  </a:tblGrid>
+                  <a:tr h="179705">
+                    <a:tc gridSpan="3">
+                      <a:txBody>
+                        <a:bodyPr/>
+                        <a:lstStyle/>
+                        <a:p>
+                          <a:pPr algn="ctr">
+                            <a:spcBef>
+                              <a:spcPts val="600"/>
+                            </a:spcBef>
+                            <a:spcAft>
+                              <a:spcPts val="600"/>
+                            </a:spcAft>
+                          </a:pPr>
+                          <a:r>
+                            <a:rPr lang="en-US" sz="2400" dirty="0">
+                              <a:effectLst/>
+                            </a:rPr>
+                            <a:t>Servo</a:t>
+                          </a:r>
+                          <a:endParaRPr lang="en-US" sz="2400" dirty="0">
+                            <a:effectLst/>
+                            <a:latin typeface="+mn-lt"/>
+                            <a:ea typeface="Calibri" panose="020F0502020204030204" pitchFamily="34" charset="0"/>
+                            <a:cs typeface="Arial" panose="020B0604020202020204" pitchFamily="34" charset="0"/>
+                          </a:endParaRPr>
+                        </a:p>
+                      </a:txBody>
+                      <a:tcPr marL="68580" marR="68580" marT="0" marB="0"/>
+                    </a:tc>
+                    <a:tc hMerge="1">
+                      <a:txBody>
+                        <a:bodyPr/>
+                        <a:lstStyle/>
+                        <a:p>
+                          <a:pPr algn="ctr">
+                            <a:spcBef>
+                              <a:spcPts val="600"/>
+                            </a:spcBef>
+                            <a:spcAft>
+                              <a:spcPts val="600"/>
+                            </a:spcAft>
+                          </a:pPr>
+                          <a:r>
+                            <a:rPr lang="en-US" sz="2400" dirty="0">
+                              <a:effectLst/>
+                            </a:rPr>
+                            <a:t>Servo</a:t>
+                          </a:r>
+                          <a:endParaRPr lang="en-US" sz="2400" dirty="0">
+                            <a:effectLst/>
+                            <a:latin typeface="+mn-lt"/>
+                            <a:ea typeface="Calibri" panose="020F0502020204030204" pitchFamily="34" charset="0"/>
+                            <a:cs typeface="Arial" panose="020B0604020202020204" pitchFamily="34" charset="0"/>
+                          </a:endParaRPr>
+                        </a:p>
+                      </a:txBody>
+                      <a:tcPr marL="68580" marR="68580" marT="0" marB="0"/>
+                    </a:tc>
+                    <a:tc hMerge="1">
+                      <a:txBody>
+                        <a:bodyPr/>
+                        <a:lstStyle/>
+                        <a:p>
+                          <a:pPr algn="just">
+                            <a:spcBef>
+                              <a:spcPts val="600"/>
+                            </a:spcBef>
+                            <a:spcAft>
+                              <a:spcPts val="600"/>
+                            </a:spcAft>
+                          </a:pPr>
+                          <a:endParaRPr lang="en-US" sz="2400" dirty="0">
+                            <a:effectLst/>
+                            <a:latin typeface="Arial" panose="020B0604020202020204" pitchFamily="34" charset="0"/>
+                            <a:ea typeface="Calibri" panose="020F0502020204030204" pitchFamily="34" charset="0"/>
+                            <a:cs typeface="Arial" panose="020B0604020202020204" pitchFamily="34" charset="0"/>
+                          </a:endParaRPr>
+                        </a:p>
+                      </a:txBody>
+                      <a:tcPr marL="68580" marR="68580" marT="0" marB="0"/>
+                    </a:tc>
+                    <a:extLst>
+                      <a:ext uri="{0D108BD9-81ED-4DB2-BD59-A6C34878D82A}">
+                        <a16:rowId xmlns:a16="http://schemas.microsoft.com/office/drawing/2014/main" val="1611688197"/>
+                      </a:ext>
+                    </a:extLst>
+                  </a:tr>
+                  <a:tr h="179705">
+                    <a:tc>
+                      <a:txBody>
+                        <a:bodyPr/>
+                        <a:lstStyle/>
+                        <a:p>
+                          <a:pPr algn="ctr">
+                            <a:spcBef>
+                              <a:spcPts val="600"/>
+                            </a:spcBef>
+                            <a:spcAft>
+                              <a:spcPts val="600"/>
+                            </a:spcAft>
+                          </a:pPr>
+                          <a:r>
+                            <a:rPr lang="en-US" sz="2400" b="1" dirty="0" err="1">
+                              <a:effectLst/>
+                              <a:latin typeface="+mn-lt"/>
+                              <a:ea typeface="Calibri" panose="020F0502020204030204" pitchFamily="34" charset="0"/>
+                              <a:cs typeface="Arial" panose="020B0604020202020204" pitchFamily="34" charset="0"/>
+                            </a:rPr>
+                            <a:t>Stufe</a:t>
+                          </a:r>
+                          <a:endParaRPr lang="en-US" sz="2400" b="1" dirty="0">
+                            <a:effectLst/>
+                            <a:latin typeface="+mn-lt"/>
+                            <a:ea typeface="Calibri" panose="020F0502020204030204" pitchFamily="34" charset="0"/>
+                            <a:cs typeface="Arial" panose="020B0604020202020204" pitchFamily="34" charset="0"/>
+                          </a:endParaRPr>
+                        </a:p>
+                      </a:txBody>
+                      <a:tcPr marL="68580" marR="68580" marT="0" marB="0"/>
+                    </a:tc>
+                    <a:tc>
+                      <a:txBody>
+                        <a:bodyPr/>
+                        <a:lstStyle/>
+                        <a:p>
+                          <a:pPr algn="ctr">
+                            <a:spcBef>
+                              <a:spcPts val="600"/>
+                            </a:spcBef>
+                            <a:spcAft>
+                              <a:spcPts val="600"/>
+                            </a:spcAft>
+                          </a:pPr>
+                          <a:r>
+                            <a:rPr lang="en-US" sz="2400" b="1" dirty="0" err="1">
+                              <a:effectLst/>
+                            </a:rPr>
+                            <a:t>Pulsweite</a:t>
+                          </a:r>
+                          <a:endParaRPr lang="en-US" sz="2400" b="1" dirty="0">
+                            <a:effectLst/>
+                            <a:latin typeface="Arial" panose="020B0604020202020204" pitchFamily="34" charset="0"/>
+                            <a:ea typeface="Calibri" panose="020F0502020204030204" pitchFamily="34" charset="0"/>
+                            <a:cs typeface="Arial" panose="020B0604020202020204" pitchFamily="34" charset="0"/>
+                          </a:endParaRPr>
+                        </a:p>
+                      </a:txBody>
+                      <a:tcPr marL="68580" marR="68580" marT="0" marB="0"/>
+                    </a:tc>
+                    <a:tc>
+                      <a:txBody>
+                        <a:bodyPr/>
+                        <a:lstStyle/>
+                        <a:p>
+                          <a:pPr algn="ctr">
+                            <a:spcBef>
+                              <a:spcPts val="600"/>
+                            </a:spcBef>
+                            <a:spcAft>
+                              <a:spcPts val="600"/>
+                            </a:spcAft>
+                          </a:pPr>
+                          <a:r>
+                            <a:rPr lang="en-US" sz="2400" b="1" dirty="0">
+                              <a:effectLst/>
+                            </a:rPr>
+                            <a:t>OCR0A</a:t>
+                          </a:r>
+                          <a:endParaRPr lang="en-US" sz="2400" b="1" dirty="0">
+                            <a:effectLst/>
+                            <a:latin typeface="Arial" panose="020B0604020202020204" pitchFamily="34" charset="0"/>
+                            <a:ea typeface="Calibri" panose="020F0502020204030204" pitchFamily="34" charset="0"/>
+                            <a:cs typeface="Arial" panose="020B0604020202020204" pitchFamily="34" charset="0"/>
+                          </a:endParaRPr>
+                        </a:p>
+                      </a:txBody>
+                      <a:tcPr marL="68580" marR="68580" marT="0" marB="0"/>
+                    </a:tc>
+                    <a:extLst>
+                      <a:ext uri="{0D108BD9-81ED-4DB2-BD59-A6C34878D82A}">
+                        <a16:rowId xmlns:a16="http://schemas.microsoft.com/office/drawing/2014/main" val="1784546562"/>
+                      </a:ext>
+                    </a:extLst>
+                  </a:tr>
+                  <a:tr h="179705">
+                    <a:tc>
+                      <a:txBody>
+                        <a:bodyPr/>
+                        <a:lstStyle/>
+                        <a:p>
+                          <a:pPr algn="ctr">
+                            <a:spcBef>
+                              <a:spcPts val="600"/>
+                            </a:spcBef>
+                            <a:spcAft>
+                              <a:spcPts val="600"/>
+                            </a:spcAft>
+                          </a:pPr>
+                          <a:r>
+                            <a:rPr lang="en-US" sz="2400" dirty="0">
+                              <a:effectLst/>
+                            </a:rPr>
+                            <a:t>0</a:t>
+                          </a:r>
+                          <a:endParaRPr lang="en-US" sz="2400" dirty="0">
+                            <a:effectLst/>
+                            <a:latin typeface="Arial" panose="020B0604020202020204" pitchFamily="34" charset="0"/>
+                            <a:ea typeface="Calibri" panose="020F0502020204030204" pitchFamily="34" charset="0"/>
+                            <a:cs typeface="Arial" panose="020B0604020202020204" pitchFamily="34" charset="0"/>
+                          </a:endParaRPr>
+                        </a:p>
+                      </a:txBody>
+                      <a:tcPr marL="68580" marR="68580" marT="0" marB="0"/>
+                    </a:tc>
+                    <a:tc>
+                      <a:txBody>
+                        <a:bodyPr/>
+                        <a:lstStyle/>
+                        <a:p>
+                          <a:pPr algn="ctr">
+                            <a:spcBef>
+                              <a:spcPts val="600"/>
+                            </a:spcBef>
+                            <a:spcAft>
+                              <a:spcPts val="600"/>
+                            </a:spcAft>
+                          </a:pPr>
+                          <a14:m>
+                            <m:oMath xmlns:m="http://schemas.openxmlformats.org/officeDocument/2006/math">
+                              <m:r>
+                                <a:rPr lang="en-US" sz="2400">
+                                  <a:effectLst/>
+                                </a:rPr>
+                                <m:t>2,5</m:t>
+                              </m:r>
+                              <m:r>
+                                <a:rPr lang="en-US" sz="2400">
+                                  <a:effectLst/>
+                                </a:rPr>
+                                <m:t>𝑚𝑠</m:t>
+                              </m:r>
+                            </m:oMath>
+                          </a14:m>
+                          <a:r>
+                            <a:rPr lang="en-US" sz="2400" dirty="0">
+                              <a:effectLst/>
+                            </a:rPr>
+                            <a:t> </a:t>
+                          </a:r>
+                          <a:endParaRPr lang="en-US" sz="2400" dirty="0">
+                            <a:effectLst/>
+                            <a:latin typeface="Arial" panose="020B0604020202020204" pitchFamily="34" charset="0"/>
+                            <a:ea typeface="Calibri" panose="020F0502020204030204" pitchFamily="34" charset="0"/>
+                            <a:cs typeface="Arial" panose="020B0604020202020204" pitchFamily="34" charset="0"/>
+                          </a:endParaRPr>
+                        </a:p>
+                      </a:txBody>
+                      <a:tcPr marL="68580" marR="68580" marT="0" marB="0"/>
+                    </a:tc>
+                    <a:tc>
+                      <a:txBody>
+                        <a:bodyPr/>
+                        <a:lstStyle/>
+                        <a:p>
+                          <a:pPr algn="ctr">
+                            <a:spcBef>
+                              <a:spcPts val="600"/>
+                            </a:spcBef>
+                            <a:spcAft>
+                              <a:spcPts val="600"/>
+                            </a:spcAft>
+                          </a:pPr>
+                          <a:r>
+                            <a:rPr lang="en-US" sz="2400">
+                              <a:effectLst/>
+                            </a:rPr>
+                            <a:t>45 (44)</a:t>
+                          </a:r>
+                          <a:endParaRPr lang="en-US" sz="2400">
+                            <a:effectLst/>
+                            <a:latin typeface="Arial" panose="020B0604020202020204" pitchFamily="34" charset="0"/>
+                            <a:ea typeface="Calibri" panose="020F0502020204030204" pitchFamily="34" charset="0"/>
+                            <a:cs typeface="Arial" panose="020B0604020202020204" pitchFamily="34" charset="0"/>
+                          </a:endParaRPr>
+                        </a:p>
+                      </a:txBody>
+                      <a:tcPr marL="68580" marR="68580" marT="0" marB="0"/>
+                    </a:tc>
+                    <a:extLst>
+                      <a:ext uri="{0D108BD9-81ED-4DB2-BD59-A6C34878D82A}">
+                        <a16:rowId xmlns:a16="http://schemas.microsoft.com/office/drawing/2014/main" val="1247106165"/>
+                      </a:ext>
+                    </a:extLst>
+                  </a:tr>
+                  <a:tr h="179705">
+                    <a:tc>
+                      <a:txBody>
+                        <a:bodyPr/>
+                        <a:lstStyle/>
+                        <a:p>
+                          <a:pPr algn="ctr">
+                            <a:spcBef>
+                              <a:spcPts val="600"/>
+                            </a:spcBef>
+                            <a:spcAft>
+                              <a:spcPts val="600"/>
+                            </a:spcAft>
+                          </a:pPr>
+                          <a:r>
+                            <a:rPr lang="en-US" sz="2400">
+                              <a:effectLst/>
+                            </a:rPr>
+                            <a:t>1</a:t>
+                          </a:r>
+                          <a:endParaRPr lang="en-US" sz="2400">
+                            <a:effectLst/>
+                            <a:latin typeface="Arial" panose="020B0604020202020204" pitchFamily="34" charset="0"/>
+                            <a:ea typeface="Calibri" panose="020F0502020204030204" pitchFamily="34" charset="0"/>
+                            <a:cs typeface="Arial" panose="020B0604020202020204" pitchFamily="34" charset="0"/>
+                          </a:endParaRPr>
+                        </a:p>
+                      </a:txBody>
+                      <a:tcPr marL="68580" marR="68580" marT="0" marB="0"/>
+                    </a:tc>
+                    <a:tc>
+                      <a:txBody>
+                        <a:bodyPr/>
+                        <a:lstStyle/>
+                        <a:p>
+                          <a:pPr algn="ctr">
+                            <a:spcBef>
+                              <a:spcPts val="600"/>
+                            </a:spcBef>
+                            <a:spcAft>
+                              <a:spcPts val="600"/>
+                            </a:spcAft>
+                          </a:pPr>
+                          <a14:m>
+                            <m:oMath xmlns:m="http://schemas.openxmlformats.org/officeDocument/2006/math">
+                              <m:r>
+                                <a:rPr lang="en-US" sz="2400">
+                                  <a:effectLst/>
+                                </a:rPr>
+                                <m:t>2,1</m:t>
+                              </m:r>
+                              <m:r>
+                                <a:rPr lang="en-US" sz="2400">
+                                  <a:effectLst/>
+                                </a:rPr>
+                                <m:t>𝑚𝑠</m:t>
+                              </m:r>
+                            </m:oMath>
+                          </a14:m>
+                          <a:r>
+                            <a:rPr lang="en-US" sz="2400" dirty="0">
+                              <a:effectLst/>
+                            </a:rPr>
+                            <a:t> </a:t>
+                          </a:r>
+                          <a:endParaRPr lang="en-US" sz="2400" dirty="0">
+                            <a:effectLst/>
+                            <a:latin typeface="Arial" panose="020B0604020202020204" pitchFamily="34" charset="0"/>
+                            <a:ea typeface="Calibri" panose="020F0502020204030204" pitchFamily="34" charset="0"/>
+                            <a:cs typeface="Arial" panose="020B0604020202020204" pitchFamily="34" charset="0"/>
+                          </a:endParaRPr>
+                        </a:p>
+                      </a:txBody>
+                      <a:tcPr marL="68580" marR="68580" marT="0" marB="0"/>
+                    </a:tc>
+                    <a:tc>
+                      <a:txBody>
+                        <a:bodyPr/>
+                        <a:lstStyle/>
+                        <a:p>
+                          <a:pPr algn="ctr">
+                            <a:spcBef>
+                              <a:spcPts val="600"/>
+                            </a:spcBef>
+                            <a:spcAft>
+                              <a:spcPts val="600"/>
+                            </a:spcAft>
+                          </a:pPr>
+                          <a:r>
+                            <a:rPr lang="en-US" sz="2400" dirty="0">
+                              <a:effectLst/>
+                            </a:rPr>
+                            <a:t>38</a:t>
+                          </a:r>
+                          <a:endParaRPr lang="en-US" sz="2400" dirty="0">
+                            <a:effectLst/>
+                            <a:latin typeface="Arial" panose="020B0604020202020204" pitchFamily="34" charset="0"/>
+                            <a:ea typeface="Calibri" panose="020F0502020204030204" pitchFamily="34" charset="0"/>
+                            <a:cs typeface="Arial" panose="020B0604020202020204" pitchFamily="34" charset="0"/>
+                          </a:endParaRPr>
+                        </a:p>
+                      </a:txBody>
+                      <a:tcPr marL="68580" marR="68580" marT="0" marB="0"/>
+                    </a:tc>
+                    <a:extLst>
+                      <a:ext uri="{0D108BD9-81ED-4DB2-BD59-A6C34878D82A}">
+                        <a16:rowId xmlns:a16="http://schemas.microsoft.com/office/drawing/2014/main" val="3942189740"/>
+                      </a:ext>
+                    </a:extLst>
+                  </a:tr>
+                  <a:tr h="179705">
+                    <a:tc>
+                      <a:txBody>
+                        <a:bodyPr/>
+                        <a:lstStyle/>
+                        <a:p>
+                          <a:pPr algn="ctr">
+                            <a:spcBef>
+                              <a:spcPts val="600"/>
+                            </a:spcBef>
+                            <a:spcAft>
+                              <a:spcPts val="600"/>
+                            </a:spcAft>
+                          </a:pPr>
+                          <a:r>
+                            <a:rPr lang="en-US" sz="2400">
+                              <a:effectLst/>
+                            </a:rPr>
+                            <a:t>2</a:t>
+                          </a:r>
+                          <a:endParaRPr lang="en-US" sz="2400">
+                            <a:effectLst/>
+                            <a:latin typeface="Arial" panose="020B0604020202020204" pitchFamily="34" charset="0"/>
+                            <a:ea typeface="Calibri" panose="020F0502020204030204" pitchFamily="34" charset="0"/>
+                            <a:cs typeface="Arial" panose="020B0604020202020204" pitchFamily="34" charset="0"/>
+                          </a:endParaRPr>
+                        </a:p>
+                      </a:txBody>
+                      <a:tcPr marL="68580" marR="68580" marT="0" marB="0"/>
+                    </a:tc>
+                    <a:tc>
+                      <a:txBody>
+                        <a:bodyPr/>
+                        <a:lstStyle/>
+                        <a:p>
+                          <a:pPr algn="ctr">
+                            <a:spcBef>
+                              <a:spcPts val="600"/>
+                            </a:spcBef>
+                            <a:spcAft>
+                              <a:spcPts val="600"/>
+                            </a:spcAft>
+                          </a:pPr>
+                          <a14:m>
+                            <m:oMath xmlns:m="http://schemas.openxmlformats.org/officeDocument/2006/math">
+                              <m:r>
+                                <a:rPr lang="en-US" sz="2400">
+                                  <a:effectLst/>
+                                </a:rPr>
+                                <m:t>1,7</m:t>
+                              </m:r>
+                              <m:r>
+                                <a:rPr lang="en-US" sz="2400">
+                                  <a:effectLst/>
+                                </a:rPr>
+                                <m:t>𝑚𝑠</m:t>
+                              </m:r>
+                            </m:oMath>
+                          </a14:m>
+                          <a:r>
+                            <a:rPr lang="en-US" sz="2400" dirty="0">
+                              <a:effectLst/>
+                            </a:rPr>
+                            <a:t> </a:t>
+                          </a:r>
+                          <a:endParaRPr lang="en-US" sz="2400" dirty="0">
+                            <a:effectLst/>
+                            <a:latin typeface="Arial" panose="020B0604020202020204" pitchFamily="34" charset="0"/>
+                            <a:ea typeface="Calibri" panose="020F0502020204030204" pitchFamily="34" charset="0"/>
+                            <a:cs typeface="Arial" panose="020B0604020202020204" pitchFamily="34" charset="0"/>
+                          </a:endParaRPr>
+                        </a:p>
+                      </a:txBody>
+                      <a:tcPr marL="68580" marR="68580" marT="0" marB="0"/>
+                    </a:tc>
+                    <a:tc>
+                      <a:txBody>
+                        <a:bodyPr/>
+                        <a:lstStyle/>
+                        <a:p>
+                          <a:pPr algn="ctr">
+                            <a:spcBef>
+                              <a:spcPts val="600"/>
+                            </a:spcBef>
+                            <a:spcAft>
+                              <a:spcPts val="600"/>
+                            </a:spcAft>
+                          </a:pPr>
+                          <a:r>
+                            <a:rPr lang="en-US" sz="2400" dirty="0">
+                              <a:effectLst/>
+                            </a:rPr>
+                            <a:t>30</a:t>
+                          </a:r>
+                          <a:endParaRPr lang="en-US" sz="2400" dirty="0">
+                            <a:effectLst/>
+                            <a:latin typeface="Arial" panose="020B0604020202020204" pitchFamily="34" charset="0"/>
+                            <a:ea typeface="Calibri" panose="020F0502020204030204" pitchFamily="34" charset="0"/>
+                            <a:cs typeface="Arial" panose="020B0604020202020204" pitchFamily="34" charset="0"/>
+                          </a:endParaRPr>
+                        </a:p>
+                      </a:txBody>
+                      <a:tcPr marL="68580" marR="68580" marT="0" marB="0"/>
+                    </a:tc>
+                    <a:extLst>
+                      <a:ext uri="{0D108BD9-81ED-4DB2-BD59-A6C34878D82A}">
+                        <a16:rowId xmlns:a16="http://schemas.microsoft.com/office/drawing/2014/main" val="634824535"/>
+                      </a:ext>
+                    </a:extLst>
+                  </a:tr>
+                  <a:tr h="179705">
+                    <a:tc>
+                      <a:txBody>
+                        <a:bodyPr/>
+                        <a:lstStyle/>
+                        <a:p>
+                          <a:pPr algn="ctr">
+                            <a:spcBef>
+                              <a:spcPts val="600"/>
+                            </a:spcBef>
+                            <a:spcAft>
+                              <a:spcPts val="600"/>
+                            </a:spcAft>
+                          </a:pPr>
+                          <a:r>
+                            <a:rPr lang="en-US" sz="2400">
+                              <a:effectLst/>
+                            </a:rPr>
+                            <a:t>3</a:t>
+                          </a:r>
+                          <a:endParaRPr lang="en-US" sz="2400">
+                            <a:effectLst/>
+                            <a:latin typeface="Arial" panose="020B0604020202020204" pitchFamily="34" charset="0"/>
+                            <a:ea typeface="Calibri" panose="020F0502020204030204" pitchFamily="34" charset="0"/>
+                            <a:cs typeface="Arial" panose="020B0604020202020204" pitchFamily="34" charset="0"/>
+                          </a:endParaRPr>
+                        </a:p>
+                      </a:txBody>
+                      <a:tcPr marL="68580" marR="68580" marT="0" marB="0"/>
+                    </a:tc>
+                    <a:tc>
+                      <a:txBody>
+                        <a:bodyPr/>
+                        <a:lstStyle/>
+                        <a:p>
+                          <a:pPr algn="ctr">
+                            <a:spcBef>
+                              <a:spcPts val="600"/>
+                            </a:spcBef>
+                            <a:spcAft>
+                              <a:spcPts val="600"/>
+                            </a:spcAft>
+                          </a:pPr>
+                          <a14:m>
+                            <m:oMath xmlns:m="http://schemas.openxmlformats.org/officeDocument/2006/math">
+                              <m:r>
+                                <a:rPr lang="en-US" sz="2400">
+                                  <a:effectLst/>
+                                </a:rPr>
+                                <m:t>1,3</m:t>
+                              </m:r>
+                              <m:r>
+                                <a:rPr lang="en-US" sz="2400">
+                                  <a:effectLst/>
+                                </a:rPr>
+                                <m:t>𝑚𝑠</m:t>
+                              </m:r>
+                            </m:oMath>
+                          </a14:m>
+                          <a:r>
+                            <a:rPr lang="en-US" sz="2400">
+                              <a:effectLst/>
+                            </a:rPr>
+                            <a:t> </a:t>
+                          </a:r>
+                          <a:endParaRPr lang="en-US" sz="2400">
+                            <a:effectLst/>
+                            <a:latin typeface="Arial" panose="020B0604020202020204" pitchFamily="34" charset="0"/>
+                            <a:ea typeface="Calibri" panose="020F0502020204030204" pitchFamily="34" charset="0"/>
+                            <a:cs typeface="Arial" panose="020B0604020202020204" pitchFamily="34" charset="0"/>
+                          </a:endParaRPr>
+                        </a:p>
+                      </a:txBody>
+                      <a:tcPr marL="68580" marR="68580" marT="0" marB="0"/>
+                    </a:tc>
+                    <a:tc>
+                      <a:txBody>
+                        <a:bodyPr/>
+                        <a:lstStyle/>
+                        <a:p>
+                          <a:pPr algn="ctr">
+                            <a:spcBef>
+                              <a:spcPts val="600"/>
+                            </a:spcBef>
+                            <a:spcAft>
+                              <a:spcPts val="600"/>
+                            </a:spcAft>
+                          </a:pPr>
+                          <a:r>
+                            <a:rPr lang="en-US" sz="2400" dirty="0">
+                              <a:effectLst/>
+                            </a:rPr>
+                            <a:t>23</a:t>
+                          </a:r>
+                          <a:endParaRPr lang="en-US" sz="2400" dirty="0">
+                            <a:effectLst/>
+                            <a:latin typeface="Arial" panose="020B0604020202020204" pitchFamily="34" charset="0"/>
+                            <a:ea typeface="Calibri" panose="020F0502020204030204" pitchFamily="34" charset="0"/>
+                            <a:cs typeface="Arial" panose="020B0604020202020204" pitchFamily="34" charset="0"/>
+                          </a:endParaRPr>
+                        </a:p>
+                      </a:txBody>
+                      <a:tcPr marL="68580" marR="68580" marT="0" marB="0"/>
+                    </a:tc>
+                    <a:extLst>
+                      <a:ext uri="{0D108BD9-81ED-4DB2-BD59-A6C34878D82A}">
+                        <a16:rowId xmlns:a16="http://schemas.microsoft.com/office/drawing/2014/main" val="2633046927"/>
+                      </a:ext>
+                    </a:extLst>
+                  </a:tr>
+                  <a:tr h="179705">
+                    <a:tc>
+                      <a:txBody>
+                        <a:bodyPr/>
+                        <a:lstStyle/>
+                        <a:p>
+                          <a:pPr algn="ctr">
+                            <a:spcBef>
+                              <a:spcPts val="600"/>
+                            </a:spcBef>
+                            <a:spcAft>
+                              <a:spcPts val="600"/>
+                            </a:spcAft>
+                          </a:pPr>
+                          <a:r>
+                            <a:rPr lang="en-US" sz="2400">
+                              <a:effectLst/>
+                            </a:rPr>
+                            <a:t>4</a:t>
+                          </a:r>
+                          <a:endParaRPr lang="en-US" sz="2400">
+                            <a:effectLst/>
+                            <a:latin typeface="Arial" panose="020B0604020202020204" pitchFamily="34" charset="0"/>
+                            <a:ea typeface="Calibri" panose="020F0502020204030204" pitchFamily="34" charset="0"/>
+                            <a:cs typeface="Arial" panose="020B0604020202020204" pitchFamily="34" charset="0"/>
+                          </a:endParaRPr>
+                        </a:p>
+                      </a:txBody>
+                      <a:tcPr marL="68580" marR="68580" marT="0" marB="0"/>
+                    </a:tc>
+                    <a:tc>
+                      <a:txBody>
+                        <a:bodyPr/>
+                        <a:lstStyle/>
+                        <a:p>
+                          <a:pPr algn="ctr">
+                            <a:spcBef>
+                              <a:spcPts val="600"/>
+                            </a:spcBef>
+                            <a:spcAft>
+                              <a:spcPts val="600"/>
+                            </a:spcAft>
+                          </a:pPr>
+                          <a14:m>
+                            <m:oMath xmlns:m="http://schemas.openxmlformats.org/officeDocument/2006/math">
+                              <m:r>
+                                <a:rPr lang="en-US" sz="2400">
+                                  <a:effectLst/>
+                                </a:rPr>
+                                <m:t>0,9</m:t>
+                              </m:r>
+                              <m:r>
+                                <a:rPr lang="en-US" sz="2400">
+                                  <a:effectLst/>
+                                </a:rPr>
+                                <m:t>𝑚𝑠</m:t>
+                              </m:r>
+                            </m:oMath>
+                          </a14:m>
+                          <a:r>
+                            <a:rPr lang="en-US" sz="2400">
+                              <a:effectLst/>
+                            </a:rPr>
+                            <a:t> </a:t>
+                          </a:r>
+                          <a:endParaRPr lang="en-US" sz="2400">
+                            <a:effectLst/>
+                            <a:latin typeface="Arial" panose="020B0604020202020204" pitchFamily="34" charset="0"/>
+                            <a:ea typeface="Calibri" panose="020F0502020204030204" pitchFamily="34" charset="0"/>
+                            <a:cs typeface="Arial" panose="020B0604020202020204" pitchFamily="34" charset="0"/>
+                          </a:endParaRPr>
+                        </a:p>
+                      </a:txBody>
+                      <a:tcPr marL="68580" marR="68580" marT="0" marB="0"/>
+                    </a:tc>
+                    <a:tc>
+                      <a:txBody>
+                        <a:bodyPr/>
+                        <a:lstStyle/>
+                        <a:p>
+                          <a:pPr algn="ctr">
+                            <a:spcBef>
+                              <a:spcPts val="600"/>
+                            </a:spcBef>
+                            <a:spcAft>
+                              <a:spcPts val="600"/>
+                            </a:spcAft>
+                          </a:pPr>
+                          <a:r>
+                            <a:rPr lang="en-US" sz="2400">
+                              <a:effectLst/>
+                            </a:rPr>
+                            <a:t>16</a:t>
+                          </a:r>
+                          <a:endParaRPr lang="en-US" sz="2400">
+                            <a:effectLst/>
+                            <a:latin typeface="Arial" panose="020B0604020202020204" pitchFamily="34" charset="0"/>
+                            <a:ea typeface="Calibri" panose="020F0502020204030204" pitchFamily="34" charset="0"/>
+                            <a:cs typeface="Arial" panose="020B0604020202020204" pitchFamily="34" charset="0"/>
+                          </a:endParaRPr>
+                        </a:p>
+                      </a:txBody>
+                      <a:tcPr marL="68580" marR="68580" marT="0" marB="0"/>
+                    </a:tc>
+                    <a:extLst>
+                      <a:ext uri="{0D108BD9-81ED-4DB2-BD59-A6C34878D82A}">
+                        <a16:rowId xmlns:a16="http://schemas.microsoft.com/office/drawing/2014/main" val="1017324783"/>
+                      </a:ext>
+                    </a:extLst>
+                  </a:tr>
+                  <a:tr h="179705">
+                    <a:tc>
+                      <a:txBody>
+                        <a:bodyPr/>
+                        <a:lstStyle/>
+                        <a:p>
+                          <a:pPr algn="ctr">
+                            <a:spcBef>
+                              <a:spcPts val="600"/>
+                            </a:spcBef>
+                            <a:spcAft>
+                              <a:spcPts val="600"/>
+                            </a:spcAft>
+                          </a:pPr>
+                          <a:r>
+                            <a:rPr lang="en-US" sz="2400">
+                              <a:effectLst/>
+                            </a:rPr>
+                            <a:t>5</a:t>
+                          </a:r>
+                          <a:endParaRPr lang="en-US" sz="2400">
+                            <a:effectLst/>
+                            <a:latin typeface="Arial" panose="020B0604020202020204" pitchFamily="34" charset="0"/>
+                            <a:ea typeface="Calibri" panose="020F0502020204030204" pitchFamily="34" charset="0"/>
+                            <a:cs typeface="Arial" panose="020B0604020202020204" pitchFamily="34" charset="0"/>
+                          </a:endParaRPr>
+                        </a:p>
+                      </a:txBody>
+                      <a:tcPr marL="68580" marR="68580" marT="0" marB="0"/>
+                    </a:tc>
+                    <a:tc>
+                      <a:txBody>
+                        <a:bodyPr/>
+                        <a:lstStyle/>
+                        <a:p>
+                          <a:pPr algn="ctr">
+                            <a:spcBef>
+                              <a:spcPts val="600"/>
+                            </a:spcBef>
+                            <a:spcAft>
+                              <a:spcPts val="600"/>
+                            </a:spcAft>
+                          </a:pPr>
+                          <a14:m>
+                            <m:oMath xmlns:m="http://schemas.openxmlformats.org/officeDocument/2006/math">
+                              <m:r>
+                                <a:rPr lang="en-US" sz="2400">
+                                  <a:effectLst/>
+                                </a:rPr>
+                                <m:t>0,5</m:t>
+                              </m:r>
+                              <m:r>
+                                <a:rPr lang="en-US" sz="2400">
+                                  <a:effectLst/>
+                                </a:rPr>
+                                <m:t>𝑚𝑠</m:t>
+                              </m:r>
+                            </m:oMath>
+                          </a14:m>
+                          <a:r>
+                            <a:rPr lang="en-US" sz="2400">
+                              <a:effectLst/>
+                            </a:rPr>
+                            <a:t> </a:t>
+                          </a:r>
+                          <a:endParaRPr lang="en-US" sz="2400">
+                            <a:effectLst/>
+                            <a:latin typeface="Arial" panose="020B0604020202020204" pitchFamily="34" charset="0"/>
+                            <a:ea typeface="Calibri" panose="020F0502020204030204" pitchFamily="34" charset="0"/>
+                            <a:cs typeface="Arial" panose="020B0604020202020204" pitchFamily="34" charset="0"/>
+                          </a:endParaRPr>
+                        </a:p>
+                      </a:txBody>
+                      <a:tcPr marL="68580" marR="68580" marT="0" marB="0"/>
+                    </a:tc>
+                    <a:tc>
+                      <a:txBody>
+                        <a:bodyPr/>
+                        <a:lstStyle/>
+                        <a:p>
+                          <a:pPr algn="ctr">
+                            <a:spcBef>
+                              <a:spcPts val="600"/>
+                            </a:spcBef>
+                            <a:spcAft>
+                              <a:spcPts val="600"/>
+                            </a:spcAft>
+                          </a:pPr>
+                          <a:r>
+                            <a:rPr lang="en-US" sz="2400" dirty="0">
+                              <a:effectLst/>
+                            </a:rPr>
+                            <a:t>  9 (10)</a:t>
+                          </a:r>
+                          <a:endParaRPr lang="en-US" sz="2400" dirty="0">
+                            <a:effectLst/>
+                            <a:latin typeface="Arial" panose="020B0604020202020204" pitchFamily="34" charset="0"/>
+                            <a:ea typeface="Calibri" panose="020F0502020204030204" pitchFamily="34" charset="0"/>
+                            <a:cs typeface="Arial" panose="020B0604020202020204" pitchFamily="34" charset="0"/>
+                          </a:endParaRPr>
+                        </a:p>
+                      </a:txBody>
+                      <a:tcPr marL="68580" marR="68580" marT="0" marB="0"/>
+                    </a:tc>
+                    <a:extLst>
+                      <a:ext uri="{0D108BD9-81ED-4DB2-BD59-A6C34878D82A}">
+                        <a16:rowId xmlns:a16="http://schemas.microsoft.com/office/drawing/2014/main" val="1192519932"/>
+                      </a:ext>
+                    </a:extLst>
+                  </a:tr>
+                </a:tbl>
+              </a:graphicData>
+            </a:graphic>
+          </p:graphicFrame>
+        </mc:Choice>
+        <mc:Fallback>
+          <p:graphicFrame>
+            <p:nvGraphicFramePr>
+              <p:cNvPr id="14" name="Table 13">
+                <a:extLst>
+                  <a:ext uri="{FF2B5EF4-FFF2-40B4-BE49-F238E27FC236}">
+                    <a16:creationId xmlns:a16="http://schemas.microsoft.com/office/drawing/2014/main" id="{A1D9422D-57C5-73FF-61A8-E938FD6371DB}"/>
+                  </a:ext>
+                </a:extLst>
+              </p:cNvPr>
+              <p:cNvGraphicFramePr>
+                <a:graphicFrameLocks noGrp="1"/>
+              </p:cNvGraphicFramePr>
+              <p:nvPr>
+                <p:extLst>
+                  <p:ext uri="{D42A27DB-BD31-4B8C-83A1-F6EECF244321}">
+                    <p14:modId xmlns:p14="http://schemas.microsoft.com/office/powerpoint/2010/main" val="1758750448"/>
+                  </p:ext>
+                </p:extLst>
+              </p:nvPr>
+            </p:nvGraphicFramePr>
+            <p:xfrm>
+              <a:off x="406397" y="2356619"/>
+              <a:ext cx="5123034" cy="2926080"/>
+            </p:xfrm>
+            <a:graphic>
+              <a:graphicData uri="http://schemas.openxmlformats.org/drawingml/2006/table">
+                <a:tbl>
+                  <a:tblPr firstRow="1" firstCol="1" bandRow="1">
+                    <a:tableStyleId>{69012ECD-51FC-41F1-AA8D-1B2483CD663E}</a:tableStyleId>
+                  </a:tblPr>
+                  <a:tblGrid>
+                    <a:gridCol w="1574655">
+                      <a:extLst>
+                        <a:ext uri="{9D8B030D-6E8A-4147-A177-3AD203B41FA5}">
+                          <a16:colId xmlns:a16="http://schemas.microsoft.com/office/drawing/2014/main" val="1507821973"/>
+                        </a:ext>
+                      </a:extLst>
+                    </a:gridCol>
+                    <a:gridCol w="2025533">
+                      <a:extLst>
+                        <a:ext uri="{9D8B030D-6E8A-4147-A177-3AD203B41FA5}">
+                          <a16:colId xmlns:a16="http://schemas.microsoft.com/office/drawing/2014/main" val="3522949627"/>
+                        </a:ext>
+                      </a:extLst>
+                    </a:gridCol>
+                    <a:gridCol w="1522846">
+                      <a:extLst>
+                        <a:ext uri="{9D8B030D-6E8A-4147-A177-3AD203B41FA5}">
+                          <a16:colId xmlns:a16="http://schemas.microsoft.com/office/drawing/2014/main" val="2699094900"/>
+                        </a:ext>
+                      </a:extLst>
+                    </a:gridCol>
+                  </a:tblGrid>
+                  <a:tr h="365760">
+                    <a:tc gridSpan="3">
+                      <a:txBody>
+                        <a:bodyPr/>
+                        <a:lstStyle/>
+                        <a:p>
+                          <a:pPr algn="ctr">
+                            <a:spcBef>
+                              <a:spcPts val="600"/>
+                            </a:spcBef>
+                            <a:spcAft>
+                              <a:spcPts val="600"/>
+                            </a:spcAft>
+                          </a:pPr>
+                          <a:r>
+                            <a:rPr lang="en-US" sz="2400" dirty="0">
+                              <a:effectLst/>
+                            </a:rPr>
+                            <a:t>Servo</a:t>
+                          </a:r>
+                          <a:endParaRPr lang="en-US" sz="2400" dirty="0">
+                            <a:effectLst/>
+                            <a:latin typeface="+mn-lt"/>
+                            <a:ea typeface="Calibri" panose="020F0502020204030204" pitchFamily="34" charset="0"/>
+                            <a:cs typeface="Arial" panose="020B0604020202020204" pitchFamily="34" charset="0"/>
+                          </a:endParaRPr>
+                        </a:p>
+                      </a:txBody>
+                      <a:tcPr marL="68580" marR="68580" marT="0" marB="0"/>
+                    </a:tc>
+                    <a:tc hMerge="1">
+                      <a:txBody>
+                        <a:bodyPr/>
+                        <a:lstStyle/>
+                        <a:p>
+                          <a:pPr algn="ctr">
+                            <a:spcBef>
+                              <a:spcPts val="600"/>
+                            </a:spcBef>
+                            <a:spcAft>
+                              <a:spcPts val="600"/>
+                            </a:spcAft>
+                          </a:pPr>
+                          <a:r>
+                            <a:rPr lang="en-US" sz="2400" dirty="0">
+                              <a:effectLst/>
+                            </a:rPr>
+                            <a:t>Servo</a:t>
+                          </a:r>
+                          <a:endParaRPr lang="en-US" sz="2400" dirty="0">
+                            <a:effectLst/>
+                            <a:latin typeface="+mn-lt"/>
+                            <a:ea typeface="Calibri" panose="020F0502020204030204" pitchFamily="34" charset="0"/>
+                            <a:cs typeface="Arial" panose="020B0604020202020204" pitchFamily="34" charset="0"/>
+                          </a:endParaRPr>
+                        </a:p>
+                      </a:txBody>
+                      <a:tcPr marL="68580" marR="68580" marT="0" marB="0"/>
+                    </a:tc>
+                    <a:tc hMerge="1">
+                      <a:txBody>
+                        <a:bodyPr/>
+                        <a:lstStyle/>
+                        <a:p>
+                          <a:pPr algn="just">
+                            <a:spcBef>
+                              <a:spcPts val="600"/>
+                            </a:spcBef>
+                            <a:spcAft>
+                              <a:spcPts val="600"/>
+                            </a:spcAft>
+                          </a:pPr>
+                          <a:endParaRPr lang="en-US" sz="2400" dirty="0">
+                            <a:effectLst/>
+                            <a:latin typeface="Arial" panose="020B0604020202020204" pitchFamily="34" charset="0"/>
+                            <a:ea typeface="Calibri" panose="020F0502020204030204" pitchFamily="34" charset="0"/>
+                            <a:cs typeface="Arial" panose="020B0604020202020204" pitchFamily="34" charset="0"/>
+                          </a:endParaRPr>
+                        </a:p>
+                      </a:txBody>
+                      <a:tcPr marL="68580" marR="68580" marT="0" marB="0"/>
+                    </a:tc>
+                    <a:extLst>
+                      <a:ext uri="{0D108BD9-81ED-4DB2-BD59-A6C34878D82A}">
+                        <a16:rowId xmlns:a16="http://schemas.microsoft.com/office/drawing/2014/main" val="1611688197"/>
+                      </a:ext>
+                    </a:extLst>
+                  </a:tr>
+                  <a:tr h="365760">
+                    <a:tc>
+                      <a:txBody>
+                        <a:bodyPr/>
+                        <a:lstStyle/>
+                        <a:p>
+                          <a:pPr algn="ctr">
+                            <a:spcBef>
+                              <a:spcPts val="600"/>
+                            </a:spcBef>
+                            <a:spcAft>
+                              <a:spcPts val="600"/>
+                            </a:spcAft>
+                          </a:pPr>
+                          <a:r>
+                            <a:rPr lang="en-US" sz="2400" b="1" dirty="0" err="1">
+                              <a:effectLst/>
+                              <a:latin typeface="+mn-lt"/>
+                              <a:ea typeface="Calibri" panose="020F0502020204030204" pitchFamily="34" charset="0"/>
+                              <a:cs typeface="Arial" panose="020B0604020202020204" pitchFamily="34" charset="0"/>
+                            </a:rPr>
+                            <a:t>Stufe</a:t>
+                          </a:r>
+                          <a:endParaRPr lang="en-US" sz="2400" b="1" dirty="0">
+                            <a:effectLst/>
+                            <a:latin typeface="+mn-lt"/>
+                            <a:ea typeface="Calibri" panose="020F0502020204030204" pitchFamily="34" charset="0"/>
+                            <a:cs typeface="Arial" panose="020B0604020202020204" pitchFamily="34" charset="0"/>
+                          </a:endParaRPr>
+                        </a:p>
+                      </a:txBody>
+                      <a:tcPr marL="68580" marR="68580" marT="0" marB="0"/>
+                    </a:tc>
+                    <a:tc>
+                      <a:txBody>
+                        <a:bodyPr/>
+                        <a:lstStyle/>
+                        <a:p>
+                          <a:pPr algn="ctr">
+                            <a:spcBef>
+                              <a:spcPts val="600"/>
+                            </a:spcBef>
+                            <a:spcAft>
+                              <a:spcPts val="600"/>
+                            </a:spcAft>
+                          </a:pPr>
+                          <a:r>
+                            <a:rPr lang="en-US" sz="2400" b="1" dirty="0" err="1">
+                              <a:effectLst/>
+                            </a:rPr>
+                            <a:t>Pulsweite</a:t>
+                          </a:r>
+                          <a:endParaRPr lang="en-US" sz="2400" b="1" dirty="0">
+                            <a:effectLst/>
+                            <a:latin typeface="Arial" panose="020B0604020202020204" pitchFamily="34" charset="0"/>
+                            <a:ea typeface="Calibri" panose="020F0502020204030204" pitchFamily="34" charset="0"/>
+                            <a:cs typeface="Arial" panose="020B0604020202020204" pitchFamily="34" charset="0"/>
+                          </a:endParaRPr>
+                        </a:p>
+                      </a:txBody>
+                      <a:tcPr marL="68580" marR="68580" marT="0" marB="0"/>
+                    </a:tc>
+                    <a:tc>
+                      <a:txBody>
+                        <a:bodyPr/>
+                        <a:lstStyle/>
+                        <a:p>
+                          <a:pPr algn="ctr">
+                            <a:spcBef>
+                              <a:spcPts val="600"/>
+                            </a:spcBef>
+                            <a:spcAft>
+                              <a:spcPts val="600"/>
+                            </a:spcAft>
+                          </a:pPr>
+                          <a:r>
+                            <a:rPr lang="en-US" sz="2400" b="1" dirty="0">
+                              <a:effectLst/>
+                            </a:rPr>
+                            <a:t>OCR0A</a:t>
+                          </a:r>
+                          <a:endParaRPr lang="en-US" sz="2400" b="1" dirty="0">
+                            <a:effectLst/>
+                            <a:latin typeface="Arial" panose="020B0604020202020204" pitchFamily="34" charset="0"/>
+                            <a:ea typeface="Calibri" panose="020F0502020204030204" pitchFamily="34" charset="0"/>
+                            <a:cs typeface="Arial" panose="020B0604020202020204" pitchFamily="34" charset="0"/>
+                          </a:endParaRPr>
+                        </a:p>
+                      </a:txBody>
+                      <a:tcPr marL="68580" marR="68580" marT="0" marB="0"/>
+                    </a:tc>
+                    <a:extLst>
+                      <a:ext uri="{0D108BD9-81ED-4DB2-BD59-A6C34878D82A}">
+                        <a16:rowId xmlns:a16="http://schemas.microsoft.com/office/drawing/2014/main" val="1784546562"/>
+                      </a:ext>
+                    </a:extLst>
+                  </a:tr>
+                  <a:tr h="365760">
+                    <a:tc>
+                      <a:txBody>
+                        <a:bodyPr/>
+                        <a:lstStyle/>
+                        <a:p>
+                          <a:pPr algn="ctr">
+                            <a:spcBef>
+                              <a:spcPts val="600"/>
+                            </a:spcBef>
+                            <a:spcAft>
+                              <a:spcPts val="600"/>
+                            </a:spcAft>
+                          </a:pPr>
+                          <a:r>
+                            <a:rPr lang="en-US" sz="2400" dirty="0">
+                              <a:effectLst/>
+                            </a:rPr>
+                            <a:t>0</a:t>
+                          </a:r>
+                          <a:endParaRPr lang="en-US" sz="2400" dirty="0">
+                            <a:effectLst/>
+                            <a:latin typeface="Arial" panose="020B0604020202020204" pitchFamily="34" charset="0"/>
+                            <a:ea typeface="Calibri" panose="020F0502020204030204" pitchFamily="34" charset="0"/>
+                            <a:cs typeface="Arial" panose="020B0604020202020204" pitchFamily="34" charset="0"/>
+                          </a:endParaRPr>
+                        </a:p>
+                      </a:txBody>
+                      <a:tcPr marL="68580" marR="68580" marT="0" marB="0"/>
+                    </a:tc>
+                    <a:tc>
+                      <a:txBody>
+                        <a:bodyPr/>
+                        <a:lstStyle/>
+                        <a:p>
+                          <a:endParaRPr lang="en-US"/>
+                        </a:p>
+                      </a:txBody>
+                      <a:tcPr marL="68580" marR="68580" marT="0" marB="0">
+                        <a:blipFill>
+                          <a:blip r:embed="rId2"/>
+                          <a:stretch>
+                            <a:fillRect l="-77778" t="-225000" r="-75375" b="-551667"/>
+                          </a:stretch>
+                        </a:blipFill>
+                      </a:tcPr>
+                    </a:tc>
+                    <a:tc>
+                      <a:txBody>
+                        <a:bodyPr/>
+                        <a:lstStyle/>
+                        <a:p>
+                          <a:pPr algn="ctr">
+                            <a:spcBef>
+                              <a:spcPts val="600"/>
+                            </a:spcBef>
+                            <a:spcAft>
+                              <a:spcPts val="600"/>
+                            </a:spcAft>
+                          </a:pPr>
+                          <a:r>
+                            <a:rPr lang="en-US" sz="2400">
+                              <a:effectLst/>
+                            </a:rPr>
+                            <a:t>45 (44)</a:t>
+                          </a:r>
+                          <a:endParaRPr lang="en-US" sz="2400">
+                            <a:effectLst/>
+                            <a:latin typeface="Arial" panose="020B0604020202020204" pitchFamily="34" charset="0"/>
+                            <a:ea typeface="Calibri" panose="020F0502020204030204" pitchFamily="34" charset="0"/>
+                            <a:cs typeface="Arial" panose="020B0604020202020204" pitchFamily="34" charset="0"/>
+                          </a:endParaRPr>
+                        </a:p>
+                      </a:txBody>
+                      <a:tcPr marL="68580" marR="68580" marT="0" marB="0"/>
+                    </a:tc>
+                    <a:extLst>
+                      <a:ext uri="{0D108BD9-81ED-4DB2-BD59-A6C34878D82A}">
+                        <a16:rowId xmlns:a16="http://schemas.microsoft.com/office/drawing/2014/main" val="1247106165"/>
+                      </a:ext>
+                    </a:extLst>
+                  </a:tr>
+                  <a:tr h="365760">
+                    <a:tc>
+                      <a:txBody>
+                        <a:bodyPr/>
+                        <a:lstStyle/>
+                        <a:p>
+                          <a:pPr algn="ctr">
+                            <a:spcBef>
+                              <a:spcPts val="600"/>
+                            </a:spcBef>
+                            <a:spcAft>
+                              <a:spcPts val="600"/>
+                            </a:spcAft>
+                          </a:pPr>
+                          <a:r>
+                            <a:rPr lang="en-US" sz="2400">
+                              <a:effectLst/>
+                            </a:rPr>
+                            <a:t>1</a:t>
+                          </a:r>
+                          <a:endParaRPr lang="en-US" sz="2400">
+                            <a:effectLst/>
+                            <a:latin typeface="Arial" panose="020B0604020202020204" pitchFamily="34" charset="0"/>
+                            <a:ea typeface="Calibri" panose="020F0502020204030204" pitchFamily="34" charset="0"/>
+                            <a:cs typeface="Arial" panose="020B0604020202020204" pitchFamily="34" charset="0"/>
+                          </a:endParaRPr>
+                        </a:p>
+                      </a:txBody>
+                      <a:tcPr marL="68580" marR="68580" marT="0" marB="0"/>
+                    </a:tc>
+                    <a:tc>
+                      <a:txBody>
+                        <a:bodyPr/>
+                        <a:lstStyle/>
+                        <a:p>
+                          <a:endParaRPr lang="en-US"/>
+                        </a:p>
+                      </a:txBody>
+                      <a:tcPr marL="68580" marR="68580" marT="0" marB="0">
+                        <a:blipFill>
+                          <a:blip r:embed="rId2"/>
+                          <a:stretch>
+                            <a:fillRect l="-77778" t="-319672" r="-75375" b="-442623"/>
+                          </a:stretch>
+                        </a:blipFill>
+                      </a:tcPr>
+                    </a:tc>
+                    <a:tc>
+                      <a:txBody>
+                        <a:bodyPr/>
+                        <a:lstStyle/>
+                        <a:p>
+                          <a:pPr algn="ctr">
+                            <a:spcBef>
+                              <a:spcPts val="600"/>
+                            </a:spcBef>
+                            <a:spcAft>
+                              <a:spcPts val="600"/>
+                            </a:spcAft>
+                          </a:pPr>
+                          <a:r>
+                            <a:rPr lang="en-US" sz="2400" dirty="0">
+                              <a:effectLst/>
+                            </a:rPr>
+                            <a:t>38</a:t>
+                          </a:r>
+                          <a:endParaRPr lang="en-US" sz="2400" dirty="0">
+                            <a:effectLst/>
+                            <a:latin typeface="Arial" panose="020B0604020202020204" pitchFamily="34" charset="0"/>
+                            <a:ea typeface="Calibri" panose="020F0502020204030204" pitchFamily="34" charset="0"/>
+                            <a:cs typeface="Arial" panose="020B0604020202020204" pitchFamily="34" charset="0"/>
+                          </a:endParaRPr>
+                        </a:p>
+                      </a:txBody>
+                      <a:tcPr marL="68580" marR="68580" marT="0" marB="0"/>
+                    </a:tc>
+                    <a:extLst>
+                      <a:ext uri="{0D108BD9-81ED-4DB2-BD59-A6C34878D82A}">
+                        <a16:rowId xmlns:a16="http://schemas.microsoft.com/office/drawing/2014/main" val="3942189740"/>
+                      </a:ext>
+                    </a:extLst>
+                  </a:tr>
+                  <a:tr h="365760">
+                    <a:tc>
+                      <a:txBody>
+                        <a:bodyPr/>
+                        <a:lstStyle/>
+                        <a:p>
+                          <a:pPr algn="ctr">
+                            <a:spcBef>
+                              <a:spcPts val="600"/>
+                            </a:spcBef>
+                            <a:spcAft>
+                              <a:spcPts val="600"/>
+                            </a:spcAft>
+                          </a:pPr>
+                          <a:r>
+                            <a:rPr lang="en-US" sz="2400">
+                              <a:effectLst/>
+                            </a:rPr>
+                            <a:t>2</a:t>
+                          </a:r>
+                          <a:endParaRPr lang="en-US" sz="2400">
+                            <a:effectLst/>
+                            <a:latin typeface="Arial" panose="020B0604020202020204" pitchFamily="34" charset="0"/>
+                            <a:ea typeface="Calibri" panose="020F0502020204030204" pitchFamily="34" charset="0"/>
+                            <a:cs typeface="Arial" panose="020B0604020202020204" pitchFamily="34" charset="0"/>
+                          </a:endParaRPr>
+                        </a:p>
+                      </a:txBody>
+                      <a:tcPr marL="68580" marR="68580" marT="0" marB="0"/>
+                    </a:tc>
+                    <a:tc>
+                      <a:txBody>
+                        <a:bodyPr/>
+                        <a:lstStyle/>
+                        <a:p>
+                          <a:endParaRPr lang="en-US"/>
+                        </a:p>
+                      </a:txBody>
+                      <a:tcPr marL="68580" marR="68580" marT="0" marB="0">
+                        <a:blipFill>
+                          <a:blip r:embed="rId2"/>
+                          <a:stretch>
+                            <a:fillRect l="-77778" t="-426667" r="-75375" b="-350000"/>
+                          </a:stretch>
+                        </a:blipFill>
+                      </a:tcPr>
+                    </a:tc>
+                    <a:tc>
+                      <a:txBody>
+                        <a:bodyPr/>
+                        <a:lstStyle/>
+                        <a:p>
+                          <a:pPr algn="ctr">
+                            <a:spcBef>
+                              <a:spcPts val="600"/>
+                            </a:spcBef>
+                            <a:spcAft>
+                              <a:spcPts val="600"/>
+                            </a:spcAft>
+                          </a:pPr>
+                          <a:r>
+                            <a:rPr lang="en-US" sz="2400" dirty="0">
+                              <a:effectLst/>
+                            </a:rPr>
+                            <a:t>30</a:t>
+                          </a:r>
+                          <a:endParaRPr lang="en-US" sz="2400" dirty="0">
+                            <a:effectLst/>
+                            <a:latin typeface="Arial" panose="020B0604020202020204" pitchFamily="34" charset="0"/>
+                            <a:ea typeface="Calibri" panose="020F0502020204030204" pitchFamily="34" charset="0"/>
+                            <a:cs typeface="Arial" panose="020B0604020202020204" pitchFamily="34" charset="0"/>
+                          </a:endParaRPr>
+                        </a:p>
+                      </a:txBody>
+                      <a:tcPr marL="68580" marR="68580" marT="0" marB="0"/>
+                    </a:tc>
+                    <a:extLst>
+                      <a:ext uri="{0D108BD9-81ED-4DB2-BD59-A6C34878D82A}">
+                        <a16:rowId xmlns:a16="http://schemas.microsoft.com/office/drawing/2014/main" val="634824535"/>
+                      </a:ext>
+                    </a:extLst>
+                  </a:tr>
+                  <a:tr h="365760">
+                    <a:tc>
+                      <a:txBody>
+                        <a:bodyPr/>
+                        <a:lstStyle/>
+                        <a:p>
+                          <a:pPr algn="ctr">
+                            <a:spcBef>
+                              <a:spcPts val="600"/>
+                            </a:spcBef>
+                            <a:spcAft>
+                              <a:spcPts val="600"/>
+                            </a:spcAft>
+                          </a:pPr>
+                          <a:r>
+                            <a:rPr lang="en-US" sz="2400">
+                              <a:effectLst/>
+                            </a:rPr>
+                            <a:t>3</a:t>
+                          </a:r>
+                          <a:endParaRPr lang="en-US" sz="2400">
+                            <a:effectLst/>
+                            <a:latin typeface="Arial" panose="020B0604020202020204" pitchFamily="34" charset="0"/>
+                            <a:ea typeface="Calibri" panose="020F0502020204030204" pitchFamily="34" charset="0"/>
+                            <a:cs typeface="Arial" panose="020B0604020202020204" pitchFamily="34" charset="0"/>
+                          </a:endParaRPr>
+                        </a:p>
+                      </a:txBody>
+                      <a:tcPr marL="68580" marR="68580" marT="0" marB="0"/>
+                    </a:tc>
+                    <a:tc>
+                      <a:txBody>
+                        <a:bodyPr/>
+                        <a:lstStyle/>
+                        <a:p>
+                          <a:endParaRPr lang="en-US"/>
+                        </a:p>
+                      </a:txBody>
+                      <a:tcPr marL="68580" marR="68580" marT="0" marB="0">
+                        <a:blipFill>
+                          <a:blip r:embed="rId2"/>
+                          <a:stretch>
+                            <a:fillRect l="-77778" t="-526667" r="-75375" b="-250000"/>
+                          </a:stretch>
+                        </a:blipFill>
+                      </a:tcPr>
+                    </a:tc>
+                    <a:tc>
+                      <a:txBody>
+                        <a:bodyPr/>
+                        <a:lstStyle/>
+                        <a:p>
+                          <a:pPr algn="ctr">
+                            <a:spcBef>
+                              <a:spcPts val="600"/>
+                            </a:spcBef>
+                            <a:spcAft>
+                              <a:spcPts val="600"/>
+                            </a:spcAft>
+                          </a:pPr>
+                          <a:r>
+                            <a:rPr lang="en-US" sz="2400" dirty="0">
+                              <a:effectLst/>
+                            </a:rPr>
+                            <a:t>23</a:t>
+                          </a:r>
+                          <a:endParaRPr lang="en-US" sz="2400" dirty="0">
+                            <a:effectLst/>
+                            <a:latin typeface="Arial" panose="020B0604020202020204" pitchFamily="34" charset="0"/>
+                            <a:ea typeface="Calibri" panose="020F0502020204030204" pitchFamily="34" charset="0"/>
+                            <a:cs typeface="Arial" panose="020B0604020202020204" pitchFamily="34" charset="0"/>
+                          </a:endParaRPr>
+                        </a:p>
+                      </a:txBody>
+                      <a:tcPr marL="68580" marR="68580" marT="0" marB="0"/>
+                    </a:tc>
+                    <a:extLst>
+                      <a:ext uri="{0D108BD9-81ED-4DB2-BD59-A6C34878D82A}">
+                        <a16:rowId xmlns:a16="http://schemas.microsoft.com/office/drawing/2014/main" val="2633046927"/>
+                      </a:ext>
+                    </a:extLst>
+                  </a:tr>
+                  <a:tr h="365760">
+                    <a:tc>
+                      <a:txBody>
+                        <a:bodyPr/>
+                        <a:lstStyle/>
+                        <a:p>
+                          <a:pPr algn="ctr">
+                            <a:spcBef>
+                              <a:spcPts val="600"/>
+                            </a:spcBef>
+                            <a:spcAft>
+                              <a:spcPts val="600"/>
+                            </a:spcAft>
+                          </a:pPr>
+                          <a:r>
+                            <a:rPr lang="en-US" sz="2400">
+                              <a:effectLst/>
+                            </a:rPr>
+                            <a:t>4</a:t>
+                          </a:r>
+                          <a:endParaRPr lang="en-US" sz="2400">
+                            <a:effectLst/>
+                            <a:latin typeface="Arial" panose="020B0604020202020204" pitchFamily="34" charset="0"/>
+                            <a:ea typeface="Calibri" panose="020F0502020204030204" pitchFamily="34" charset="0"/>
+                            <a:cs typeface="Arial" panose="020B0604020202020204" pitchFamily="34" charset="0"/>
+                          </a:endParaRPr>
+                        </a:p>
+                      </a:txBody>
+                      <a:tcPr marL="68580" marR="68580" marT="0" marB="0"/>
+                    </a:tc>
+                    <a:tc>
+                      <a:txBody>
+                        <a:bodyPr/>
+                        <a:lstStyle/>
+                        <a:p>
+                          <a:endParaRPr lang="en-US"/>
+                        </a:p>
+                      </a:txBody>
+                      <a:tcPr marL="68580" marR="68580" marT="0" marB="0">
+                        <a:blipFill>
+                          <a:blip r:embed="rId2"/>
+                          <a:stretch>
+                            <a:fillRect l="-77778" t="-626667" r="-75375" b="-150000"/>
+                          </a:stretch>
+                        </a:blipFill>
+                      </a:tcPr>
+                    </a:tc>
+                    <a:tc>
+                      <a:txBody>
+                        <a:bodyPr/>
+                        <a:lstStyle/>
+                        <a:p>
+                          <a:pPr algn="ctr">
+                            <a:spcBef>
+                              <a:spcPts val="600"/>
+                            </a:spcBef>
+                            <a:spcAft>
+                              <a:spcPts val="600"/>
+                            </a:spcAft>
+                          </a:pPr>
+                          <a:r>
+                            <a:rPr lang="en-US" sz="2400">
+                              <a:effectLst/>
+                            </a:rPr>
+                            <a:t>16</a:t>
+                          </a:r>
+                          <a:endParaRPr lang="en-US" sz="2400">
+                            <a:effectLst/>
+                            <a:latin typeface="Arial" panose="020B0604020202020204" pitchFamily="34" charset="0"/>
+                            <a:ea typeface="Calibri" panose="020F0502020204030204" pitchFamily="34" charset="0"/>
+                            <a:cs typeface="Arial" panose="020B0604020202020204" pitchFamily="34" charset="0"/>
+                          </a:endParaRPr>
+                        </a:p>
+                      </a:txBody>
+                      <a:tcPr marL="68580" marR="68580" marT="0" marB="0"/>
+                    </a:tc>
+                    <a:extLst>
+                      <a:ext uri="{0D108BD9-81ED-4DB2-BD59-A6C34878D82A}">
+                        <a16:rowId xmlns:a16="http://schemas.microsoft.com/office/drawing/2014/main" val="1017324783"/>
+                      </a:ext>
+                    </a:extLst>
+                  </a:tr>
+                  <a:tr h="365760">
+                    <a:tc>
+                      <a:txBody>
+                        <a:bodyPr/>
+                        <a:lstStyle/>
+                        <a:p>
+                          <a:pPr algn="ctr">
+                            <a:spcBef>
+                              <a:spcPts val="600"/>
+                            </a:spcBef>
+                            <a:spcAft>
+                              <a:spcPts val="600"/>
+                            </a:spcAft>
+                          </a:pPr>
+                          <a:r>
+                            <a:rPr lang="en-US" sz="2400">
+                              <a:effectLst/>
+                            </a:rPr>
+                            <a:t>5</a:t>
+                          </a:r>
+                          <a:endParaRPr lang="en-US" sz="2400">
+                            <a:effectLst/>
+                            <a:latin typeface="Arial" panose="020B0604020202020204" pitchFamily="34" charset="0"/>
+                            <a:ea typeface="Calibri" panose="020F0502020204030204" pitchFamily="34" charset="0"/>
+                            <a:cs typeface="Arial" panose="020B0604020202020204" pitchFamily="34" charset="0"/>
+                          </a:endParaRPr>
+                        </a:p>
+                      </a:txBody>
+                      <a:tcPr marL="68580" marR="68580" marT="0" marB="0"/>
+                    </a:tc>
+                    <a:tc>
+                      <a:txBody>
+                        <a:bodyPr/>
+                        <a:lstStyle/>
+                        <a:p>
+                          <a:endParaRPr lang="en-US"/>
+                        </a:p>
+                      </a:txBody>
+                      <a:tcPr marL="68580" marR="68580" marT="0" marB="0">
+                        <a:blipFill>
+                          <a:blip r:embed="rId2"/>
+                          <a:stretch>
+                            <a:fillRect l="-77778" t="-726667" r="-75375" b="-50000"/>
+                          </a:stretch>
+                        </a:blipFill>
+                      </a:tcPr>
+                    </a:tc>
+                    <a:tc>
+                      <a:txBody>
+                        <a:bodyPr/>
+                        <a:lstStyle/>
+                        <a:p>
+                          <a:pPr algn="ctr">
+                            <a:spcBef>
+                              <a:spcPts val="600"/>
+                            </a:spcBef>
+                            <a:spcAft>
+                              <a:spcPts val="600"/>
+                            </a:spcAft>
+                          </a:pPr>
+                          <a:r>
+                            <a:rPr lang="en-US" sz="2400" dirty="0">
+                              <a:effectLst/>
+                            </a:rPr>
+                            <a:t>  9 (10)</a:t>
+                          </a:r>
+                          <a:endParaRPr lang="en-US" sz="2400" dirty="0">
+                            <a:effectLst/>
+                            <a:latin typeface="Arial" panose="020B0604020202020204" pitchFamily="34" charset="0"/>
+                            <a:ea typeface="Calibri" panose="020F0502020204030204" pitchFamily="34" charset="0"/>
+                            <a:cs typeface="Arial" panose="020B0604020202020204" pitchFamily="34" charset="0"/>
+                          </a:endParaRPr>
+                        </a:p>
+                      </a:txBody>
+                      <a:tcPr marL="68580" marR="68580" marT="0" marB="0"/>
+                    </a:tc>
+                    <a:extLst>
+                      <a:ext uri="{0D108BD9-81ED-4DB2-BD59-A6C34878D82A}">
+                        <a16:rowId xmlns:a16="http://schemas.microsoft.com/office/drawing/2014/main" val="1192519932"/>
+                      </a:ext>
+                    </a:extLst>
+                  </a:tr>
+                </a:tbl>
+              </a:graphicData>
+            </a:graphic>
+          </p:graphicFrame>
+        </mc:Fallback>
+      </mc:AlternateContent>
+      <p:graphicFrame>
+        <p:nvGraphicFramePr>
+          <p:cNvPr id="17" name="Table 16">
             <a:extLst>
               <a:ext uri="{FF2B5EF4-FFF2-40B4-BE49-F238E27FC236}">
-                <a16:creationId xmlns:a16="http://schemas.microsoft.com/office/drawing/2014/main" id="{9CB5A8F9-1159-4F5B-36FF-4124EE624610}"/>
+                <a16:creationId xmlns:a16="http://schemas.microsoft.com/office/drawing/2014/main" id="{B17C83B9-CADA-C7B3-ADBA-4BFFC49AE813}"/>
               </a:ext>
             </a:extLst>
           </p:cNvPr>
-          <p:cNvSpPr>
-            <a:spLocks noGrp="1"/>
-          </p:cNvSpPr>
+          <p:cNvGraphicFramePr>
+            <a:graphicFrameLocks noGrp="1"/>
+          </p:cNvGraphicFramePr>
           <p:nvPr>
-            <p:ph idx="13"/>
+            <p:extLst>
+              <p:ext uri="{D42A27DB-BD31-4B8C-83A1-F6EECF244321}">
+                <p14:modId xmlns:p14="http://schemas.microsoft.com/office/powerpoint/2010/main" val="793609163"/>
+              </p:ext>
+            </p:extLst>
           </p:nvPr>
-        </p:nvSpPr>
-        <p:spPr/>
-        <p:txBody>
-          <a:bodyPr/>
-          <a:lstStyle/>
-          <a:p>
-            <a:r>
-              <a:rPr lang="de-DE" dirty="0"/>
-              <a:t>Blabla</a:t>
-            </a:r>
-          </a:p>
-        </p:txBody>
-      </p:sp>
+        </p:nvGraphicFramePr>
+        <p:xfrm>
+          <a:off x="6662572" y="2356619"/>
+          <a:ext cx="5120917" cy="2926080"/>
+        </p:xfrm>
+        <a:graphic>
+          <a:graphicData uri="http://schemas.openxmlformats.org/drawingml/2006/table">
+            <a:tbl>
+              <a:tblPr firstRow="1" firstCol="1" bandRow="1">
+                <a:tableStyleId>{69012ECD-51FC-41F1-AA8D-1B2483CD663E}</a:tableStyleId>
+              </a:tblPr>
+              <a:tblGrid>
+                <a:gridCol w="1680775">
+                  <a:extLst>
+                    <a:ext uri="{9D8B030D-6E8A-4147-A177-3AD203B41FA5}">
+                      <a16:colId xmlns:a16="http://schemas.microsoft.com/office/drawing/2014/main" val="1792449445"/>
+                    </a:ext>
+                  </a:extLst>
+                </a:gridCol>
+                <a:gridCol w="1680775">
+                  <a:extLst>
+                    <a:ext uri="{9D8B030D-6E8A-4147-A177-3AD203B41FA5}">
+                      <a16:colId xmlns:a16="http://schemas.microsoft.com/office/drawing/2014/main" val="590358258"/>
+                    </a:ext>
+                  </a:extLst>
+                </a:gridCol>
+                <a:gridCol w="586455">
+                  <a:extLst>
+                    <a:ext uri="{9D8B030D-6E8A-4147-A177-3AD203B41FA5}">
+                      <a16:colId xmlns:a16="http://schemas.microsoft.com/office/drawing/2014/main" val="1857331547"/>
+                    </a:ext>
+                  </a:extLst>
+                </a:gridCol>
+                <a:gridCol w="586457">
+                  <a:extLst>
+                    <a:ext uri="{9D8B030D-6E8A-4147-A177-3AD203B41FA5}">
+                      <a16:colId xmlns:a16="http://schemas.microsoft.com/office/drawing/2014/main" val="162146755"/>
+                    </a:ext>
+                  </a:extLst>
+                </a:gridCol>
+                <a:gridCol w="586455">
+                  <a:extLst>
+                    <a:ext uri="{9D8B030D-6E8A-4147-A177-3AD203B41FA5}">
+                      <a16:colId xmlns:a16="http://schemas.microsoft.com/office/drawing/2014/main" val="3839398061"/>
+                    </a:ext>
+                  </a:extLst>
+                </a:gridCol>
+              </a:tblGrid>
+              <a:tr h="179705">
+                <a:tc gridSpan="5">
+                  <a:txBody>
+                    <a:bodyPr/>
+                    <a:lstStyle/>
+                    <a:p>
+                      <a:pPr algn="ctr">
+                        <a:spcBef>
+                          <a:spcPts val="600"/>
+                        </a:spcBef>
+                        <a:spcAft>
+                          <a:spcPts val="600"/>
+                        </a:spcAft>
+                      </a:pPr>
+                      <a:r>
+                        <a:rPr lang="en-US" sz="2400" dirty="0">
+                          <a:effectLst/>
+                        </a:rPr>
+                        <a:t>WS2812</a:t>
+                      </a:r>
+                      <a:endParaRPr lang="en-US" sz="2400" dirty="0">
+                        <a:effectLst/>
+                        <a:latin typeface="+mn-lt"/>
+                        <a:ea typeface="Calibri" panose="020F0502020204030204" pitchFamily="34" charset="0"/>
+                        <a:cs typeface="Arial" panose="020B0604020202020204" pitchFamily="34" charset="0"/>
+                      </a:endParaRPr>
+                    </a:p>
+                  </a:txBody>
+                  <a:tcPr marL="68580" marR="68580" marT="0" marB="0"/>
+                </a:tc>
+                <a:tc hMerge="1">
+                  <a:txBody>
+                    <a:bodyPr/>
+                    <a:lstStyle/>
+                    <a:p>
+                      <a:pPr algn="ctr">
+                        <a:spcBef>
+                          <a:spcPts val="600"/>
+                        </a:spcBef>
+                        <a:spcAft>
+                          <a:spcPts val="600"/>
+                        </a:spcAft>
+                      </a:pPr>
+                      <a:r>
+                        <a:rPr lang="en-US" sz="2400" dirty="0">
+                          <a:effectLst/>
+                        </a:rPr>
+                        <a:t>WS2812</a:t>
+                      </a:r>
+                      <a:endParaRPr lang="en-US" sz="2400" dirty="0">
+                        <a:effectLst/>
+                        <a:latin typeface="+mn-lt"/>
+                        <a:ea typeface="Calibri" panose="020F0502020204030204" pitchFamily="34" charset="0"/>
+                        <a:cs typeface="Arial" panose="020B0604020202020204" pitchFamily="34" charset="0"/>
+                      </a:endParaRPr>
+                    </a:p>
+                  </a:txBody>
+                  <a:tcPr marL="68580" marR="68580" marT="0" marB="0"/>
+                </a:tc>
+                <a:tc hMerge="1">
+                  <a:txBody>
+                    <a:bodyPr/>
+                    <a:lstStyle/>
+                    <a:p>
+                      <a:pPr algn="just">
+                        <a:spcBef>
+                          <a:spcPts val="600"/>
+                        </a:spcBef>
+                        <a:spcAft>
+                          <a:spcPts val="600"/>
+                        </a:spcAft>
+                      </a:pPr>
+                      <a:endParaRPr lang="en-US" sz="2400" dirty="0">
+                        <a:effectLst/>
+                        <a:latin typeface="+mn-lt"/>
+                        <a:ea typeface="Calibri" panose="020F0502020204030204" pitchFamily="34" charset="0"/>
+                        <a:cs typeface="Arial" panose="020B0604020202020204" pitchFamily="34" charset="0"/>
+                      </a:endParaRPr>
+                    </a:p>
+                  </a:txBody>
+                  <a:tcPr marL="68580" marR="68580" marT="0" marB="0"/>
+                </a:tc>
+                <a:tc hMerge="1">
+                  <a:txBody>
+                    <a:bodyPr/>
+                    <a:lstStyle/>
+                    <a:p>
+                      <a:endParaRPr lang="de-DE"/>
+                    </a:p>
+                  </a:txBody>
+                  <a:tcPr/>
+                </a:tc>
+                <a:tc hMerge="1">
+                  <a:txBody>
+                    <a:bodyPr/>
+                    <a:lstStyle/>
+                    <a:p>
+                      <a:endParaRPr lang="de-DE"/>
+                    </a:p>
+                  </a:txBody>
+                  <a:tcPr/>
+                </a:tc>
+                <a:extLst>
+                  <a:ext uri="{0D108BD9-81ED-4DB2-BD59-A6C34878D82A}">
+                    <a16:rowId xmlns:a16="http://schemas.microsoft.com/office/drawing/2014/main" val="612729213"/>
+                  </a:ext>
+                </a:extLst>
+              </a:tr>
+              <a:tr h="179705">
+                <a:tc>
+                  <a:txBody>
+                    <a:bodyPr/>
+                    <a:lstStyle/>
+                    <a:p>
+                      <a:pPr algn="ctr">
+                        <a:spcBef>
+                          <a:spcPts val="600"/>
+                        </a:spcBef>
+                        <a:spcAft>
+                          <a:spcPts val="600"/>
+                        </a:spcAft>
+                      </a:pPr>
+                      <a:r>
+                        <a:rPr lang="en-US" sz="2400" b="1" dirty="0" err="1">
+                          <a:effectLst/>
+                          <a:latin typeface="+mn-lt"/>
+                          <a:ea typeface="Calibri" panose="020F0502020204030204" pitchFamily="34" charset="0"/>
+                          <a:cs typeface="Arial" panose="020B0604020202020204" pitchFamily="34" charset="0"/>
+                        </a:rPr>
+                        <a:t>Stufe</a:t>
+                      </a:r>
+                      <a:endParaRPr lang="en-US" sz="2400" b="1" dirty="0">
+                        <a:effectLst/>
+                        <a:latin typeface="+mn-lt"/>
+                        <a:ea typeface="Calibri" panose="020F0502020204030204" pitchFamily="34" charset="0"/>
+                        <a:cs typeface="Arial" panose="020B0604020202020204" pitchFamily="34" charset="0"/>
+                      </a:endParaRPr>
+                    </a:p>
+                  </a:txBody>
+                  <a:tcPr marL="68580" marR="68580" marT="0" marB="0"/>
+                </a:tc>
+                <a:tc>
+                  <a:txBody>
+                    <a:bodyPr/>
+                    <a:lstStyle/>
+                    <a:p>
+                      <a:pPr algn="ctr">
+                        <a:spcBef>
+                          <a:spcPts val="600"/>
+                        </a:spcBef>
+                        <a:spcAft>
+                          <a:spcPts val="600"/>
+                        </a:spcAft>
+                      </a:pPr>
+                      <a:r>
+                        <a:rPr lang="en-US" sz="2400" b="1" dirty="0" err="1">
+                          <a:effectLst/>
+                        </a:rPr>
+                        <a:t>Farbe</a:t>
+                      </a:r>
+                      <a:endParaRPr lang="en-US" sz="2400" b="1" dirty="0">
+                        <a:effectLst/>
+                        <a:latin typeface="+mn-lt"/>
+                        <a:ea typeface="Calibri" panose="020F0502020204030204" pitchFamily="34" charset="0"/>
+                        <a:cs typeface="Arial" panose="020B0604020202020204" pitchFamily="34" charset="0"/>
+                      </a:endParaRPr>
+                    </a:p>
+                  </a:txBody>
+                  <a:tcPr marL="68580" marR="68580" marT="0" marB="0"/>
+                </a:tc>
+                <a:tc>
+                  <a:txBody>
+                    <a:bodyPr/>
+                    <a:lstStyle/>
+                    <a:p>
+                      <a:pPr algn="ctr">
+                        <a:spcBef>
+                          <a:spcPts val="600"/>
+                        </a:spcBef>
+                        <a:spcAft>
+                          <a:spcPts val="600"/>
+                        </a:spcAft>
+                      </a:pPr>
+                      <a:r>
+                        <a:rPr lang="en-US" sz="2400" b="1" dirty="0">
+                          <a:effectLst/>
+                        </a:rPr>
+                        <a:t>G</a:t>
+                      </a:r>
+                      <a:endParaRPr lang="en-US" sz="2400" b="1" dirty="0">
+                        <a:effectLst/>
+                        <a:latin typeface="+mn-lt"/>
+                        <a:ea typeface="Calibri" panose="020F0502020204030204" pitchFamily="34" charset="0"/>
+                        <a:cs typeface="Arial" panose="020B0604020202020204" pitchFamily="34" charset="0"/>
+                      </a:endParaRPr>
+                    </a:p>
+                  </a:txBody>
+                  <a:tcPr marL="68580" marR="68580" marT="0" marB="0"/>
+                </a:tc>
+                <a:tc>
+                  <a:txBody>
+                    <a:bodyPr/>
+                    <a:lstStyle/>
+                    <a:p>
+                      <a:pPr algn="ctr">
+                        <a:spcBef>
+                          <a:spcPts val="600"/>
+                        </a:spcBef>
+                        <a:spcAft>
+                          <a:spcPts val="600"/>
+                        </a:spcAft>
+                      </a:pPr>
+                      <a:r>
+                        <a:rPr lang="en-US" sz="2400" b="1" dirty="0">
+                          <a:effectLst/>
+                        </a:rPr>
+                        <a:t>R</a:t>
+                      </a:r>
+                      <a:endParaRPr lang="en-US" sz="2400" b="1" dirty="0">
+                        <a:effectLst/>
+                        <a:latin typeface="+mn-lt"/>
+                        <a:ea typeface="Calibri" panose="020F0502020204030204" pitchFamily="34" charset="0"/>
+                        <a:cs typeface="Arial" panose="020B0604020202020204" pitchFamily="34" charset="0"/>
+                      </a:endParaRPr>
+                    </a:p>
+                  </a:txBody>
+                  <a:tcPr marL="68580" marR="68580" marT="0" marB="0"/>
+                </a:tc>
+                <a:tc>
+                  <a:txBody>
+                    <a:bodyPr/>
+                    <a:lstStyle/>
+                    <a:p>
+                      <a:pPr algn="ctr">
+                        <a:spcBef>
+                          <a:spcPts val="600"/>
+                        </a:spcBef>
+                        <a:spcAft>
+                          <a:spcPts val="600"/>
+                        </a:spcAft>
+                      </a:pPr>
+                      <a:r>
+                        <a:rPr lang="en-US" sz="2400" b="1" dirty="0">
+                          <a:effectLst/>
+                        </a:rPr>
+                        <a:t>B</a:t>
+                      </a:r>
+                      <a:endParaRPr lang="en-US" sz="2400" b="1" dirty="0">
+                        <a:effectLst/>
+                        <a:latin typeface="+mn-lt"/>
+                        <a:ea typeface="Calibri" panose="020F0502020204030204" pitchFamily="34" charset="0"/>
+                        <a:cs typeface="Arial" panose="020B0604020202020204" pitchFamily="34" charset="0"/>
+                      </a:endParaRPr>
+                    </a:p>
+                  </a:txBody>
+                  <a:tcPr marL="68580" marR="68580" marT="0" marB="0"/>
+                </a:tc>
+                <a:extLst>
+                  <a:ext uri="{0D108BD9-81ED-4DB2-BD59-A6C34878D82A}">
+                    <a16:rowId xmlns:a16="http://schemas.microsoft.com/office/drawing/2014/main" val="3008332573"/>
+                  </a:ext>
+                </a:extLst>
+              </a:tr>
+              <a:tr h="179705">
+                <a:tc>
+                  <a:txBody>
+                    <a:bodyPr/>
+                    <a:lstStyle/>
+                    <a:p>
+                      <a:pPr algn="ctr">
+                        <a:spcBef>
+                          <a:spcPts val="600"/>
+                        </a:spcBef>
+                        <a:spcAft>
+                          <a:spcPts val="600"/>
+                        </a:spcAft>
+                      </a:pPr>
+                      <a:r>
+                        <a:rPr lang="en-US" sz="2400" dirty="0">
+                          <a:effectLst/>
+                          <a:latin typeface="+mn-lt"/>
+                          <a:ea typeface="Calibri" panose="020F0502020204030204" pitchFamily="34" charset="0"/>
+                          <a:cs typeface="Arial" panose="020B0604020202020204" pitchFamily="34" charset="0"/>
+                        </a:rPr>
+                        <a:t>0</a:t>
+                      </a:r>
+                    </a:p>
+                  </a:txBody>
+                  <a:tcPr marL="68580" marR="68580" marT="0" marB="0"/>
+                </a:tc>
+                <a:tc>
+                  <a:txBody>
+                    <a:bodyPr/>
+                    <a:lstStyle/>
+                    <a:p>
+                      <a:pPr algn="ctr">
+                        <a:spcBef>
+                          <a:spcPts val="600"/>
+                        </a:spcBef>
+                        <a:spcAft>
+                          <a:spcPts val="600"/>
+                        </a:spcAft>
+                      </a:pPr>
+                      <a:r>
+                        <a:rPr lang="en-US" sz="2400" dirty="0" err="1">
+                          <a:effectLst/>
+                        </a:rPr>
+                        <a:t>Blau</a:t>
+                      </a:r>
+                      <a:endParaRPr lang="en-US" sz="2400" dirty="0">
+                        <a:effectLst/>
+                        <a:latin typeface="+mn-lt"/>
+                        <a:ea typeface="Calibri" panose="020F0502020204030204" pitchFamily="34" charset="0"/>
+                        <a:cs typeface="Arial" panose="020B0604020202020204" pitchFamily="34" charset="0"/>
+                      </a:endParaRPr>
+                    </a:p>
+                  </a:txBody>
+                  <a:tcPr marL="68580" marR="68580" marT="0" marB="0"/>
+                </a:tc>
+                <a:tc>
+                  <a:txBody>
+                    <a:bodyPr/>
+                    <a:lstStyle/>
+                    <a:p>
+                      <a:pPr algn="ctr">
+                        <a:spcBef>
+                          <a:spcPts val="600"/>
+                        </a:spcBef>
+                        <a:spcAft>
+                          <a:spcPts val="600"/>
+                        </a:spcAft>
+                      </a:pPr>
+                      <a:r>
+                        <a:rPr lang="en-US" sz="2400" dirty="0">
+                          <a:effectLst/>
+                        </a:rPr>
+                        <a:t>0</a:t>
+                      </a:r>
+                      <a:endParaRPr lang="en-US" sz="2400" dirty="0">
+                        <a:effectLst/>
+                        <a:latin typeface="+mn-lt"/>
+                        <a:ea typeface="Calibri" panose="020F0502020204030204" pitchFamily="34" charset="0"/>
+                        <a:cs typeface="Arial" panose="020B0604020202020204" pitchFamily="34" charset="0"/>
+                      </a:endParaRPr>
+                    </a:p>
+                  </a:txBody>
+                  <a:tcPr marL="68580" marR="68580" marT="0" marB="0"/>
+                </a:tc>
+                <a:tc>
+                  <a:txBody>
+                    <a:bodyPr/>
+                    <a:lstStyle/>
+                    <a:p>
+                      <a:pPr algn="ctr">
+                        <a:spcBef>
+                          <a:spcPts val="600"/>
+                        </a:spcBef>
+                        <a:spcAft>
+                          <a:spcPts val="600"/>
+                        </a:spcAft>
+                      </a:pPr>
+                      <a:r>
+                        <a:rPr lang="en-US" sz="2400" dirty="0">
+                          <a:effectLst/>
+                        </a:rPr>
+                        <a:t>0</a:t>
+                      </a:r>
+                      <a:endParaRPr lang="en-US" sz="2400" dirty="0">
+                        <a:effectLst/>
+                        <a:latin typeface="+mn-lt"/>
+                        <a:ea typeface="Calibri" panose="020F0502020204030204" pitchFamily="34" charset="0"/>
+                        <a:cs typeface="Arial" panose="020B0604020202020204" pitchFamily="34" charset="0"/>
+                      </a:endParaRPr>
+                    </a:p>
+                  </a:txBody>
+                  <a:tcPr marL="68580" marR="68580" marT="0" marB="0"/>
+                </a:tc>
+                <a:tc>
+                  <a:txBody>
+                    <a:bodyPr/>
+                    <a:lstStyle/>
+                    <a:p>
+                      <a:pPr algn="ctr">
+                        <a:spcBef>
+                          <a:spcPts val="600"/>
+                        </a:spcBef>
+                        <a:spcAft>
+                          <a:spcPts val="600"/>
+                        </a:spcAft>
+                      </a:pPr>
+                      <a:r>
+                        <a:rPr lang="en-US" sz="2400" dirty="0">
+                          <a:effectLst/>
+                        </a:rPr>
+                        <a:t>7</a:t>
+                      </a:r>
+                      <a:endParaRPr lang="en-US" sz="2400" dirty="0">
+                        <a:effectLst/>
+                        <a:latin typeface="+mn-lt"/>
+                        <a:ea typeface="Calibri" panose="020F0502020204030204" pitchFamily="34" charset="0"/>
+                        <a:cs typeface="Arial" panose="020B0604020202020204" pitchFamily="34" charset="0"/>
+                      </a:endParaRPr>
+                    </a:p>
+                  </a:txBody>
+                  <a:tcPr marL="68580" marR="68580" marT="0" marB="0"/>
+                </a:tc>
+                <a:extLst>
+                  <a:ext uri="{0D108BD9-81ED-4DB2-BD59-A6C34878D82A}">
+                    <a16:rowId xmlns:a16="http://schemas.microsoft.com/office/drawing/2014/main" val="3237012738"/>
+                  </a:ext>
+                </a:extLst>
+              </a:tr>
+              <a:tr h="179705">
+                <a:tc>
+                  <a:txBody>
+                    <a:bodyPr/>
+                    <a:lstStyle/>
+                    <a:p>
+                      <a:pPr algn="ctr">
+                        <a:spcBef>
+                          <a:spcPts val="600"/>
+                        </a:spcBef>
+                        <a:spcAft>
+                          <a:spcPts val="600"/>
+                        </a:spcAft>
+                      </a:pPr>
+                      <a:r>
+                        <a:rPr lang="en-US" sz="2400" dirty="0">
+                          <a:effectLst/>
+                          <a:latin typeface="+mn-lt"/>
+                          <a:ea typeface="Calibri" panose="020F0502020204030204" pitchFamily="34" charset="0"/>
+                          <a:cs typeface="Arial" panose="020B0604020202020204" pitchFamily="34" charset="0"/>
+                        </a:rPr>
+                        <a:t>1</a:t>
+                      </a:r>
+                    </a:p>
+                  </a:txBody>
+                  <a:tcPr marL="68580" marR="68580" marT="0" marB="0"/>
+                </a:tc>
+                <a:tc>
+                  <a:txBody>
+                    <a:bodyPr/>
+                    <a:lstStyle/>
+                    <a:p>
+                      <a:pPr algn="ctr">
+                        <a:spcBef>
+                          <a:spcPts val="600"/>
+                        </a:spcBef>
+                        <a:spcAft>
+                          <a:spcPts val="600"/>
+                        </a:spcAft>
+                      </a:pPr>
+                      <a:r>
+                        <a:rPr lang="en-US" sz="2400" dirty="0" err="1">
+                          <a:effectLst/>
+                        </a:rPr>
+                        <a:t>Grün</a:t>
+                      </a:r>
+                      <a:endParaRPr lang="en-US" sz="2400" dirty="0">
+                        <a:effectLst/>
+                        <a:latin typeface="+mn-lt"/>
+                        <a:ea typeface="Calibri" panose="020F0502020204030204" pitchFamily="34" charset="0"/>
+                        <a:cs typeface="Arial" panose="020B0604020202020204" pitchFamily="34" charset="0"/>
+                      </a:endParaRPr>
+                    </a:p>
+                  </a:txBody>
+                  <a:tcPr marL="68580" marR="68580" marT="0" marB="0"/>
+                </a:tc>
+                <a:tc>
+                  <a:txBody>
+                    <a:bodyPr/>
+                    <a:lstStyle/>
+                    <a:p>
+                      <a:pPr algn="ctr">
+                        <a:spcBef>
+                          <a:spcPts val="600"/>
+                        </a:spcBef>
+                        <a:spcAft>
+                          <a:spcPts val="600"/>
+                        </a:spcAft>
+                      </a:pPr>
+                      <a:r>
+                        <a:rPr lang="en-US" sz="2400" dirty="0">
+                          <a:effectLst/>
+                        </a:rPr>
+                        <a:t>7</a:t>
+                      </a:r>
+                      <a:endParaRPr lang="en-US" sz="2400" dirty="0">
+                        <a:effectLst/>
+                        <a:latin typeface="+mn-lt"/>
+                        <a:ea typeface="Calibri" panose="020F0502020204030204" pitchFamily="34" charset="0"/>
+                        <a:cs typeface="Arial" panose="020B0604020202020204" pitchFamily="34" charset="0"/>
+                      </a:endParaRPr>
+                    </a:p>
+                  </a:txBody>
+                  <a:tcPr marL="68580" marR="68580" marT="0" marB="0"/>
+                </a:tc>
+                <a:tc>
+                  <a:txBody>
+                    <a:bodyPr/>
+                    <a:lstStyle/>
+                    <a:p>
+                      <a:pPr algn="ctr">
+                        <a:spcBef>
+                          <a:spcPts val="600"/>
+                        </a:spcBef>
+                        <a:spcAft>
+                          <a:spcPts val="600"/>
+                        </a:spcAft>
+                      </a:pPr>
+                      <a:r>
+                        <a:rPr lang="en-US" sz="2400" dirty="0">
+                          <a:effectLst/>
+                        </a:rPr>
+                        <a:t>0</a:t>
+                      </a:r>
+                      <a:endParaRPr lang="en-US" sz="2400" dirty="0">
+                        <a:effectLst/>
+                        <a:latin typeface="+mn-lt"/>
+                        <a:ea typeface="Calibri" panose="020F0502020204030204" pitchFamily="34" charset="0"/>
+                        <a:cs typeface="Arial" panose="020B0604020202020204" pitchFamily="34" charset="0"/>
+                      </a:endParaRPr>
+                    </a:p>
+                  </a:txBody>
+                  <a:tcPr marL="68580" marR="68580" marT="0" marB="0"/>
+                </a:tc>
+                <a:tc>
+                  <a:txBody>
+                    <a:bodyPr/>
+                    <a:lstStyle/>
+                    <a:p>
+                      <a:pPr algn="ctr">
+                        <a:spcBef>
+                          <a:spcPts val="600"/>
+                        </a:spcBef>
+                        <a:spcAft>
+                          <a:spcPts val="600"/>
+                        </a:spcAft>
+                      </a:pPr>
+                      <a:r>
+                        <a:rPr lang="en-US" sz="2400" dirty="0">
+                          <a:effectLst/>
+                        </a:rPr>
+                        <a:t>0</a:t>
+                      </a:r>
+                      <a:endParaRPr lang="en-US" sz="2400" dirty="0">
+                        <a:effectLst/>
+                        <a:latin typeface="+mn-lt"/>
+                        <a:ea typeface="Calibri" panose="020F0502020204030204" pitchFamily="34" charset="0"/>
+                        <a:cs typeface="Arial" panose="020B0604020202020204" pitchFamily="34" charset="0"/>
+                      </a:endParaRPr>
+                    </a:p>
+                  </a:txBody>
+                  <a:tcPr marL="68580" marR="68580" marT="0" marB="0"/>
+                </a:tc>
+                <a:extLst>
+                  <a:ext uri="{0D108BD9-81ED-4DB2-BD59-A6C34878D82A}">
+                    <a16:rowId xmlns:a16="http://schemas.microsoft.com/office/drawing/2014/main" val="1018202991"/>
+                  </a:ext>
+                </a:extLst>
+              </a:tr>
+              <a:tr h="179705">
+                <a:tc>
+                  <a:txBody>
+                    <a:bodyPr/>
+                    <a:lstStyle/>
+                    <a:p>
+                      <a:pPr algn="ctr">
+                        <a:spcBef>
+                          <a:spcPts val="600"/>
+                        </a:spcBef>
+                        <a:spcAft>
+                          <a:spcPts val="600"/>
+                        </a:spcAft>
+                      </a:pPr>
+                      <a:r>
+                        <a:rPr lang="en-US" sz="2400" dirty="0">
+                          <a:effectLst/>
+                          <a:latin typeface="+mn-lt"/>
+                          <a:ea typeface="Calibri" panose="020F0502020204030204" pitchFamily="34" charset="0"/>
+                          <a:cs typeface="Arial" panose="020B0604020202020204" pitchFamily="34" charset="0"/>
+                        </a:rPr>
+                        <a:t>2</a:t>
+                      </a:r>
+                    </a:p>
+                  </a:txBody>
+                  <a:tcPr marL="68580" marR="68580" marT="0" marB="0"/>
+                </a:tc>
+                <a:tc>
+                  <a:txBody>
+                    <a:bodyPr/>
+                    <a:lstStyle/>
+                    <a:p>
+                      <a:pPr algn="ctr">
+                        <a:spcBef>
+                          <a:spcPts val="600"/>
+                        </a:spcBef>
+                        <a:spcAft>
+                          <a:spcPts val="600"/>
+                        </a:spcAft>
+                      </a:pPr>
+                      <a:r>
+                        <a:rPr lang="en-US" sz="2400" dirty="0">
+                          <a:effectLst/>
+                        </a:rPr>
+                        <a:t>Gelb</a:t>
+                      </a:r>
+                      <a:endParaRPr lang="en-US" sz="2400" dirty="0">
+                        <a:effectLst/>
+                        <a:latin typeface="+mn-lt"/>
+                        <a:ea typeface="Calibri" panose="020F0502020204030204" pitchFamily="34" charset="0"/>
+                        <a:cs typeface="Arial" panose="020B0604020202020204" pitchFamily="34" charset="0"/>
+                      </a:endParaRPr>
+                    </a:p>
+                  </a:txBody>
+                  <a:tcPr marL="68580" marR="68580" marT="0" marB="0"/>
+                </a:tc>
+                <a:tc>
+                  <a:txBody>
+                    <a:bodyPr/>
+                    <a:lstStyle/>
+                    <a:p>
+                      <a:pPr algn="ctr">
+                        <a:spcBef>
+                          <a:spcPts val="600"/>
+                        </a:spcBef>
+                        <a:spcAft>
+                          <a:spcPts val="600"/>
+                        </a:spcAft>
+                      </a:pPr>
+                      <a:r>
+                        <a:rPr lang="en-US" sz="2400" dirty="0">
+                          <a:effectLst/>
+                        </a:rPr>
+                        <a:t>3</a:t>
+                      </a:r>
+                      <a:endParaRPr lang="en-US" sz="2400" dirty="0">
+                        <a:effectLst/>
+                        <a:latin typeface="+mn-lt"/>
+                        <a:ea typeface="Calibri" panose="020F0502020204030204" pitchFamily="34" charset="0"/>
+                        <a:cs typeface="Arial" panose="020B0604020202020204" pitchFamily="34" charset="0"/>
+                      </a:endParaRPr>
+                    </a:p>
+                  </a:txBody>
+                  <a:tcPr marL="68580" marR="68580" marT="0" marB="0"/>
+                </a:tc>
+                <a:tc>
+                  <a:txBody>
+                    <a:bodyPr/>
+                    <a:lstStyle/>
+                    <a:p>
+                      <a:pPr algn="ctr">
+                        <a:spcBef>
+                          <a:spcPts val="600"/>
+                        </a:spcBef>
+                        <a:spcAft>
+                          <a:spcPts val="600"/>
+                        </a:spcAft>
+                      </a:pPr>
+                      <a:r>
+                        <a:rPr lang="en-US" sz="2400" dirty="0">
+                          <a:effectLst/>
+                        </a:rPr>
+                        <a:t>4</a:t>
+                      </a:r>
+                      <a:endParaRPr lang="en-US" sz="2400" dirty="0">
+                        <a:effectLst/>
+                        <a:latin typeface="+mn-lt"/>
+                        <a:ea typeface="Calibri" panose="020F0502020204030204" pitchFamily="34" charset="0"/>
+                        <a:cs typeface="Arial" panose="020B0604020202020204" pitchFamily="34" charset="0"/>
+                      </a:endParaRPr>
+                    </a:p>
+                  </a:txBody>
+                  <a:tcPr marL="68580" marR="68580" marT="0" marB="0"/>
+                </a:tc>
+                <a:tc>
+                  <a:txBody>
+                    <a:bodyPr/>
+                    <a:lstStyle/>
+                    <a:p>
+                      <a:pPr algn="ctr">
+                        <a:spcBef>
+                          <a:spcPts val="600"/>
+                        </a:spcBef>
+                        <a:spcAft>
+                          <a:spcPts val="600"/>
+                        </a:spcAft>
+                      </a:pPr>
+                      <a:r>
+                        <a:rPr lang="en-US" sz="2400" dirty="0">
+                          <a:effectLst/>
+                        </a:rPr>
+                        <a:t>0</a:t>
+                      </a:r>
+                      <a:endParaRPr lang="en-US" sz="2400" dirty="0">
+                        <a:effectLst/>
+                        <a:latin typeface="+mn-lt"/>
+                        <a:ea typeface="Calibri" panose="020F0502020204030204" pitchFamily="34" charset="0"/>
+                        <a:cs typeface="Arial" panose="020B0604020202020204" pitchFamily="34" charset="0"/>
+                      </a:endParaRPr>
+                    </a:p>
+                  </a:txBody>
+                  <a:tcPr marL="68580" marR="68580" marT="0" marB="0"/>
+                </a:tc>
+                <a:extLst>
+                  <a:ext uri="{0D108BD9-81ED-4DB2-BD59-A6C34878D82A}">
+                    <a16:rowId xmlns:a16="http://schemas.microsoft.com/office/drawing/2014/main" val="3135934545"/>
+                  </a:ext>
+                </a:extLst>
+              </a:tr>
+              <a:tr h="179705">
+                <a:tc>
+                  <a:txBody>
+                    <a:bodyPr/>
+                    <a:lstStyle/>
+                    <a:p>
+                      <a:pPr algn="ctr">
+                        <a:spcBef>
+                          <a:spcPts val="600"/>
+                        </a:spcBef>
+                        <a:spcAft>
+                          <a:spcPts val="600"/>
+                        </a:spcAft>
+                      </a:pPr>
+                      <a:r>
+                        <a:rPr lang="en-US" sz="2400" dirty="0">
+                          <a:effectLst/>
+                          <a:latin typeface="+mn-lt"/>
+                          <a:ea typeface="Calibri" panose="020F0502020204030204" pitchFamily="34" charset="0"/>
+                          <a:cs typeface="Arial" panose="020B0604020202020204" pitchFamily="34" charset="0"/>
+                        </a:rPr>
+                        <a:t>3</a:t>
+                      </a:r>
+                    </a:p>
+                  </a:txBody>
+                  <a:tcPr marL="68580" marR="68580" marT="0" marB="0"/>
+                </a:tc>
+                <a:tc>
+                  <a:txBody>
+                    <a:bodyPr/>
+                    <a:lstStyle/>
+                    <a:p>
+                      <a:pPr algn="ctr">
+                        <a:spcBef>
+                          <a:spcPts val="600"/>
+                        </a:spcBef>
+                        <a:spcAft>
+                          <a:spcPts val="600"/>
+                        </a:spcAft>
+                      </a:pPr>
+                      <a:r>
+                        <a:rPr lang="en-US" sz="2400" dirty="0">
+                          <a:effectLst/>
+                        </a:rPr>
+                        <a:t>Orange</a:t>
+                      </a:r>
+                      <a:endParaRPr lang="en-US" sz="2400" dirty="0">
+                        <a:effectLst/>
+                        <a:latin typeface="+mn-lt"/>
+                        <a:ea typeface="Calibri" panose="020F0502020204030204" pitchFamily="34" charset="0"/>
+                        <a:cs typeface="Arial" panose="020B0604020202020204" pitchFamily="34" charset="0"/>
+                      </a:endParaRPr>
+                    </a:p>
+                  </a:txBody>
+                  <a:tcPr marL="68580" marR="68580" marT="0" marB="0"/>
+                </a:tc>
+                <a:tc>
+                  <a:txBody>
+                    <a:bodyPr/>
+                    <a:lstStyle/>
+                    <a:p>
+                      <a:pPr algn="ctr">
+                        <a:spcBef>
+                          <a:spcPts val="600"/>
+                        </a:spcBef>
+                        <a:spcAft>
+                          <a:spcPts val="600"/>
+                        </a:spcAft>
+                      </a:pPr>
+                      <a:r>
+                        <a:rPr lang="en-US" sz="2400" dirty="0">
+                          <a:effectLst/>
+                        </a:rPr>
+                        <a:t>2</a:t>
+                      </a:r>
+                      <a:endParaRPr lang="en-US" sz="2400" dirty="0">
+                        <a:effectLst/>
+                        <a:latin typeface="+mn-lt"/>
+                        <a:ea typeface="Calibri" panose="020F0502020204030204" pitchFamily="34" charset="0"/>
+                        <a:cs typeface="Arial" panose="020B0604020202020204" pitchFamily="34" charset="0"/>
+                      </a:endParaRPr>
+                    </a:p>
+                  </a:txBody>
+                  <a:tcPr marL="68580" marR="68580" marT="0" marB="0"/>
+                </a:tc>
+                <a:tc>
+                  <a:txBody>
+                    <a:bodyPr/>
+                    <a:lstStyle/>
+                    <a:p>
+                      <a:pPr algn="ctr">
+                        <a:spcBef>
+                          <a:spcPts val="600"/>
+                        </a:spcBef>
+                        <a:spcAft>
+                          <a:spcPts val="600"/>
+                        </a:spcAft>
+                      </a:pPr>
+                      <a:r>
+                        <a:rPr lang="en-US" sz="2400" dirty="0">
+                          <a:effectLst/>
+                        </a:rPr>
+                        <a:t>4</a:t>
+                      </a:r>
+                      <a:endParaRPr lang="en-US" sz="2400" dirty="0">
+                        <a:effectLst/>
+                        <a:latin typeface="+mn-lt"/>
+                        <a:ea typeface="Calibri" panose="020F0502020204030204" pitchFamily="34" charset="0"/>
+                        <a:cs typeface="Arial" panose="020B0604020202020204" pitchFamily="34" charset="0"/>
+                      </a:endParaRPr>
+                    </a:p>
+                  </a:txBody>
+                  <a:tcPr marL="68580" marR="68580" marT="0" marB="0"/>
+                </a:tc>
+                <a:tc>
+                  <a:txBody>
+                    <a:bodyPr/>
+                    <a:lstStyle/>
+                    <a:p>
+                      <a:pPr algn="ctr">
+                        <a:spcBef>
+                          <a:spcPts val="600"/>
+                        </a:spcBef>
+                        <a:spcAft>
+                          <a:spcPts val="600"/>
+                        </a:spcAft>
+                      </a:pPr>
+                      <a:r>
+                        <a:rPr lang="en-US" sz="2400" dirty="0">
+                          <a:effectLst/>
+                        </a:rPr>
+                        <a:t>1</a:t>
+                      </a:r>
+                      <a:endParaRPr lang="en-US" sz="2400" dirty="0">
+                        <a:effectLst/>
+                        <a:latin typeface="+mn-lt"/>
+                        <a:ea typeface="Calibri" panose="020F0502020204030204" pitchFamily="34" charset="0"/>
+                        <a:cs typeface="Arial" panose="020B0604020202020204" pitchFamily="34" charset="0"/>
+                      </a:endParaRPr>
+                    </a:p>
+                  </a:txBody>
+                  <a:tcPr marL="68580" marR="68580" marT="0" marB="0"/>
+                </a:tc>
+                <a:extLst>
+                  <a:ext uri="{0D108BD9-81ED-4DB2-BD59-A6C34878D82A}">
+                    <a16:rowId xmlns:a16="http://schemas.microsoft.com/office/drawing/2014/main" val="2090513250"/>
+                  </a:ext>
+                </a:extLst>
+              </a:tr>
+              <a:tr h="179705">
+                <a:tc>
+                  <a:txBody>
+                    <a:bodyPr/>
+                    <a:lstStyle/>
+                    <a:p>
+                      <a:pPr algn="ctr">
+                        <a:spcBef>
+                          <a:spcPts val="600"/>
+                        </a:spcBef>
+                        <a:spcAft>
+                          <a:spcPts val="600"/>
+                        </a:spcAft>
+                      </a:pPr>
+                      <a:r>
+                        <a:rPr lang="en-US" sz="2400" dirty="0">
+                          <a:effectLst/>
+                          <a:latin typeface="+mn-lt"/>
+                          <a:ea typeface="Calibri" panose="020F0502020204030204" pitchFamily="34" charset="0"/>
+                          <a:cs typeface="Arial" panose="020B0604020202020204" pitchFamily="34" charset="0"/>
+                        </a:rPr>
+                        <a:t>4</a:t>
+                      </a:r>
+                    </a:p>
+                  </a:txBody>
+                  <a:tcPr marL="68580" marR="68580" marT="0" marB="0"/>
+                </a:tc>
+                <a:tc>
+                  <a:txBody>
+                    <a:bodyPr/>
+                    <a:lstStyle/>
+                    <a:p>
+                      <a:pPr algn="ctr">
+                        <a:spcBef>
+                          <a:spcPts val="600"/>
+                        </a:spcBef>
+                        <a:spcAft>
+                          <a:spcPts val="600"/>
+                        </a:spcAft>
+                      </a:pPr>
+                      <a:r>
+                        <a:rPr lang="en-US" sz="2400" dirty="0">
+                          <a:effectLst/>
+                        </a:rPr>
+                        <a:t>Magenta</a:t>
+                      </a:r>
+                      <a:endParaRPr lang="en-US" sz="2400" dirty="0">
+                        <a:effectLst/>
+                        <a:latin typeface="+mn-lt"/>
+                        <a:ea typeface="Calibri" panose="020F0502020204030204" pitchFamily="34" charset="0"/>
+                        <a:cs typeface="Arial" panose="020B0604020202020204" pitchFamily="34" charset="0"/>
+                      </a:endParaRPr>
+                    </a:p>
+                  </a:txBody>
+                  <a:tcPr marL="68580" marR="68580" marT="0" marB="0"/>
+                </a:tc>
+                <a:tc>
+                  <a:txBody>
+                    <a:bodyPr/>
+                    <a:lstStyle/>
+                    <a:p>
+                      <a:pPr algn="ctr">
+                        <a:spcBef>
+                          <a:spcPts val="600"/>
+                        </a:spcBef>
+                        <a:spcAft>
+                          <a:spcPts val="600"/>
+                        </a:spcAft>
+                      </a:pPr>
+                      <a:r>
+                        <a:rPr lang="en-US" sz="2400" dirty="0">
+                          <a:effectLst/>
+                        </a:rPr>
+                        <a:t>0</a:t>
+                      </a:r>
+                      <a:endParaRPr lang="en-US" sz="2400" dirty="0">
+                        <a:effectLst/>
+                        <a:latin typeface="+mn-lt"/>
+                        <a:ea typeface="Calibri" panose="020F0502020204030204" pitchFamily="34" charset="0"/>
+                        <a:cs typeface="Arial" panose="020B0604020202020204" pitchFamily="34" charset="0"/>
+                      </a:endParaRPr>
+                    </a:p>
+                  </a:txBody>
+                  <a:tcPr marL="68580" marR="68580" marT="0" marB="0"/>
+                </a:tc>
+                <a:tc>
+                  <a:txBody>
+                    <a:bodyPr/>
+                    <a:lstStyle/>
+                    <a:p>
+                      <a:pPr algn="ctr">
+                        <a:spcBef>
+                          <a:spcPts val="600"/>
+                        </a:spcBef>
+                        <a:spcAft>
+                          <a:spcPts val="600"/>
+                        </a:spcAft>
+                      </a:pPr>
+                      <a:r>
+                        <a:rPr lang="en-US" sz="2400" dirty="0">
+                          <a:effectLst/>
+                        </a:rPr>
+                        <a:t>4</a:t>
+                      </a:r>
+                      <a:endParaRPr lang="en-US" sz="2400" dirty="0">
+                        <a:effectLst/>
+                        <a:latin typeface="+mn-lt"/>
+                        <a:ea typeface="Calibri" panose="020F0502020204030204" pitchFamily="34" charset="0"/>
+                        <a:cs typeface="Arial" panose="020B0604020202020204" pitchFamily="34" charset="0"/>
+                      </a:endParaRPr>
+                    </a:p>
+                  </a:txBody>
+                  <a:tcPr marL="68580" marR="68580" marT="0" marB="0"/>
+                </a:tc>
+                <a:tc>
+                  <a:txBody>
+                    <a:bodyPr/>
+                    <a:lstStyle/>
+                    <a:p>
+                      <a:pPr algn="ctr">
+                        <a:spcBef>
+                          <a:spcPts val="600"/>
+                        </a:spcBef>
+                        <a:spcAft>
+                          <a:spcPts val="600"/>
+                        </a:spcAft>
+                      </a:pPr>
+                      <a:r>
+                        <a:rPr lang="en-US" sz="2400" dirty="0">
+                          <a:effectLst/>
+                        </a:rPr>
+                        <a:t>3</a:t>
+                      </a:r>
+                      <a:endParaRPr lang="en-US" sz="2400" dirty="0">
+                        <a:effectLst/>
+                        <a:latin typeface="+mn-lt"/>
+                        <a:ea typeface="Calibri" panose="020F0502020204030204" pitchFamily="34" charset="0"/>
+                        <a:cs typeface="Arial" panose="020B0604020202020204" pitchFamily="34" charset="0"/>
+                      </a:endParaRPr>
+                    </a:p>
+                  </a:txBody>
+                  <a:tcPr marL="68580" marR="68580" marT="0" marB="0"/>
+                </a:tc>
+                <a:extLst>
+                  <a:ext uri="{0D108BD9-81ED-4DB2-BD59-A6C34878D82A}">
+                    <a16:rowId xmlns:a16="http://schemas.microsoft.com/office/drawing/2014/main" val="1786772380"/>
+                  </a:ext>
+                </a:extLst>
+              </a:tr>
+              <a:tr h="179705">
+                <a:tc>
+                  <a:txBody>
+                    <a:bodyPr/>
+                    <a:lstStyle/>
+                    <a:p>
+                      <a:pPr algn="ctr">
+                        <a:spcBef>
+                          <a:spcPts val="600"/>
+                        </a:spcBef>
+                        <a:spcAft>
+                          <a:spcPts val="600"/>
+                        </a:spcAft>
+                      </a:pPr>
+                      <a:r>
+                        <a:rPr lang="en-US" sz="2400" dirty="0">
+                          <a:effectLst/>
+                          <a:latin typeface="+mn-lt"/>
+                          <a:ea typeface="Calibri" panose="020F0502020204030204" pitchFamily="34" charset="0"/>
+                          <a:cs typeface="Arial" panose="020B0604020202020204" pitchFamily="34" charset="0"/>
+                        </a:rPr>
+                        <a:t>5</a:t>
+                      </a:r>
+                    </a:p>
+                  </a:txBody>
+                  <a:tcPr marL="68580" marR="68580" marT="0" marB="0"/>
+                </a:tc>
+                <a:tc>
+                  <a:txBody>
+                    <a:bodyPr/>
+                    <a:lstStyle/>
+                    <a:p>
+                      <a:pPr algn="ctr">
+                        <a:spcBef>
+                          <a:spcPts val="600"/>
+                        </a:spcBef>
+                        <a:spcAft>
+                          <a:spcPts val="600"/>
+                        </a:spcAft>
+                      </a:pPr>
+                      <a:r>
+                        <a:rPr lang="en-US" sz="2400" dirty="0">
+                          <a:effectLst/>
+                        </a:rPr>
+                        <a:t>Rot</a:t>
+                      </a:r>
+                      <a:endParaRPr lang="en-US" sz="2400" dirty="0">
+                        <a:effectLst/>
+                        <a:latin typeface="+mn-lt"/>
+                        <a:ea typeface="Calibri" panose="020F0502020204030204" pitchFamily="34" charset="0"/>
+                        <a:cs typeface="Arial" panose="020B0604020202020204" pitchFamily="34" charset="0"/>
+                      </a:endParaRPr>
+                    </a:p>
+                  </a:txBody>
+                  <a:tcPr marL="68580" marR="68580" marT="0" marB="0"/>
+                </a:tc>
+                <a:tc>
+                  <a:txBody>
+                    <a:bodyPr/>
+                    <a:lstStyle/>
+                    <a:p>
+                      <a:pPr algn="ctr">
+                        <a:spcBef>
+                          <a:spcPts val="600"/>
+                        </a:spcBef>
+                        <a:spcAft>
+                          <a:spcPts val="600"/>
+                        </a:spcAft>
+                      </a:pPr>
+                      <a:r>
+                        <a:rPr lang="en-US" sz="2400" dirty="0">
+                          <a:effectLst/>
+                        </a:rPr>
+                        <a:t>0</a:t>
+                      </a:r>
+                      <a:endParaRPr lang="en-US" sz="2400" dirty="0">
+                        <a:effectLst/>
+                        <a:latin typeface="+mn-lt"/>
+                        <a:ea typeface="Calibri" panose="020F0502020204030204" pitchFamily="34" charset="0"/>
+                        <a:cs typeface="Arial" panose="020B0604020202020204" pitchFamily="34" charset="0"/>
+                      </a:endParaRPr>
+                    </a:p>
+                  </a:txBody>
+                  <a:tcPr marL="68580" marR="68580" marT="0" marB="0"/>
+                </a:tc>
+                <a:tc>
+                  <a:txBody>
+                    <a:bodyPr/>
+                    <a:lstStyle/>
+                    <a:p>
+                      <a:pPr algn="ctr">
+                        <a:spcBef>
+                          <a:spcPts val="600"/>
+                        </a:spcBef>
+                        <a:spcAft>
+                          <a:spcPts val="600"/>
+                        </a:spcAft>
+                      </a:pPr>
+                      <a:r>
+                        <a:rPr lang="en-US" sz="2400" dirty="0">
+                          <a:effectLst/>
+                        </a:rPr>
+                        <a:t>7</a:t>
+                      </a:r>
+                      <a:endParaRPr lang="en-US" sz="2400" dirty="0">
+                        <a:effectLst/>
+                        <a:latin typeface="+mn-lt"/>
+                        <a:ea typeface="Calibri" panose="020F0502020204030204" pitchFamily="34" charset="0"/>
+                        <a:cs typeface="Arial" panose="020B0604020202020204" pitchFamily="34" charset="0"/>
+                      </a:endParaRPr>
+                    </a:p>
+                  </a:txBody>
+                  <a:tcPr marL="68580" marR="68580" marT="0" marB="0"/>
+                </a:tc>
+                <a:tc>
+                  <a:txBody>
+                    <a:bodyPr/>
+                    <a:lstStyle/>
+                    <a:p>
+                      <a:pPr algn="ctr">
+                        <a:spcBef>
+                          <a:spcPts val="600"/>
+                        </a:spcBef>
+                        <a:spcAft>
+                          <a:spcPts val="600"/>
+                        </a:spcAft>
+                      </a:pPr>
+                      <a:r>
+                        <a:rPr lang="en-US" sz="2400" dirty="0">
+                          <a:effectLst/>
+                        </a:rPr>
+                        <a:t>0</a:t>
+                      </a:r>
+                      <a:endParaRPr lang="en-US" sz="2400" dirty="0">
+                        <a:effectLst/>
+                        <a:latin typeface="+mn-lt"/>
+                        <a:ea typeface="Calibri" panose="020F0502020204030204" pitchFamily="34" charset="0"/>
+                        <a:cs typeface="Arial" panose="020B0604020202020204" pitchFamily="34" charset="0"/>
+                      </a:endParaRPr>
+                    </a:p>
+                  </a:txBody>
+                  <a:tcPr marL="68580" marR="68580" marT="0" marB="0"/>
+                </a:tc>
+                <a:extLst>
+                  <a:ext uri="{0D108BD9-81ED-4DB2-BD59-A6C34878D82A}">
+                    <a16:rowId xmlns:a16="http://schemas.microsoft.com/office/drawing/2014/main" val="1733311095"/>
+                  </a:ext>
+                </a:extLst>
+              </a:tr>
+            </a:tbl>
+          </a:graphicData>
+        </a:graphic>
+      </p:graphicFrame>
     </p:spTree>
     <p:extLst>
       <p:ext uri="{BB962C8B-B14F-4D97-AF65-F5344CB8AC3E}">
@@ -19677,14 +22600,14 @@
             <p:ph idx="13"/>
             <p:extLst>
               <p:ext uri="{D42A27DB-BD31-4B8C-83A1-F6EECF244321}">
-                <p14:modId xmlns:p14="http://schemas.microsoft.com/office/powerpoint/2010/main" val="241018038"/>
+                <p14:modId xmlns:p14="http://schemas.microsoft.com/office/powerpoint/2010/main" val="1826615601"/>
               </p:ext>
             </p:extLst>
           </p:nvPr>
         </p:nvGraphicFramePr>
         <p:xfrm>
           <a:off x="405879" y="2475551"/>
-          <a:ext cx="11377610" cy="741680"/>
+          <a:ext cx="11377610" cy="792480"/>
         </p:xfrm>
         <a:graphic>
           <a:graphicData uri="http://schemas.openxmlformats.org/drawingml/2006/table">
@@ -19714,14 +22637,14 @@
                     </a:ext>
                   </a:extLst>
                 </a:gridCol>
-                <a:gridCol w="1900797">
+                <a:gridCol w="1362915">
                   <a:extLst>
                     <a:ext uri="{9D8B030D-6E8A-4147-A177-3AD203B41FA5}">
                       <a16:colId xmlns:a16="http://schemas.microsoft.com/office/drawing/2014/main" val="1417123129"/>
                     </a:ext>
                   </a:extLst>
                 </a:gridCol>
-                <a:gridCol w="2650247">
+                <a:gridCol w="3188129">
                   <a:extLst>
                     <a:ext uri="{9D8B030D-6E8A-4147-A177-3AD203B41FA5}">
                       <a16:colId xmlns:a16="http://schemas.microsoft.com/office/drawing/2014/main" val="781361317"/>
@@ -19736,7 +22659,7 @@
                     <a:lstStyle/>
                     <a:p>
                       <a:r>
-                        <a:rPr lang="de-DE" dirty="0"/>
+                        <a:rPr lang="de-DE" sz="2000" dirty="0"/>
                         <a:t>ID 0x401</a:t>
                       </a:r>
                     </a:p>
@@ -19749,7 +22672,7 @@
                     <a:lstStyle/>
                     <a:p>
                       <a:r>
-                        <a:rPr lang="de-DE" dirty="0"/>
+                        <a:rPr lang="de-DE" sz="2000" dirty="0"/>
                         <a:t>Datentyp</a:t>
                       </a:r>
                     </a:p>
@@ -19762,7 +22685,7 @@
                     <a:lstStyle/>
                     <a:p>
                       <a:r>
-                        <a:rPr lang="de-DE" dirty="0"/>
+                        <a:rPr lang="de-DE" sz="2000" dirty="0"/>
                         <a:t>Wertebereich</a:t>
                       </a:r>
                     </a:p>
@@ -19775,7 +22698,7 @@
                     <a:lstStyle/>
                     <a:p>
                       <a:r>
-                        <a:rPr lang="de-DE" dirty="0"/>
+                        <a:rPr lang="de-DE" sz="2000" dirty="0"/>
                         <a:t>Einheit</a:t>
                       </a:r>
                     </a:p>
@@ -19788,7 +22711,7 @@
                     <a:lstStyle/>
                     <a:p>
                       <a:r>
-                        <a:rPr lang="de-DE" dirty="0"/>
+                        <a:rPr lang="de-DE" sz="2000" dirty="0"/>
                         <a:t>Bedeutung</a:t>
                       </a:r>
                     </a:p>
@@ -19808,7 +22731,7 @@
                     <a:lstStyle/>
                     <a:p>
                       <a:r>
-                        <a:rPr lang="de-DE" dirty="0"/>
+                        <a:rPr lang="de-DE" sz="2000" dirty="0"/>
                         <a:t>Data[0]</a:t>
                       </a:r>
                     </a:p>
@@ -19821,18 +22744,18 @@
                     <a:lstStyle/>
                     <a:p>
                       <a:r>
-                        <a:rPr lang="de-DE" dirty="0" err="1"/>
+                        <a:rPr lang="de-DE" sz="2000" dirty="0" err="1"/>
                         <a:t>signed</a:t>
                       </a:r>
                       <a:r>
-                        <a:rPr lang="de-DE" dirty="0"/>
+                        <a:rPr lang="de-DE" sz="2000" dirty="0"/>
                         <a:t> </a:t>
                       </a:r>
                       <a:r>
-                        <a:rPr lang="de-DE" dirty="0" err="1"/>
+                        <a:rPr lang="de-DE" sz="2000" dirty="0" err="1"/>
                         <a:t>char</a:t>
                       </a:r>
-                      <a:endParaRPr lang="de-DE" dirty="0"/>
+                      <a:endParaRPr lang="de-DE" sz="2000" dirty="0"/>
                     </a:p>
                   </a:txBody>
                   <a:tcPr/>
@@ -19843,8 +22766,8 @@
                     <a:lstStyle/>
                     <a:p>
                       <a:r>
-                        <a:rPr lang="de-DE" dirty="0"/>
-                        <a:t>[-128, 127]</a:t>
+                        <a:rPr lang="de-DE" sz="2000" dirty="0"/>
+                        <a:t>[-55, 125]</a:t>
                       </a:r>
                     </a:p>
                   </a:txBody>
@@ -19856,7 +22779,7 @@
                     <a:lstStyle/>
                     <a:p>
                       <a:r>
-                        <a:rPr lang="de-DE" dirty="0"/>
+                        <a:rPr lang="de-DE" sz="2000" dirty="0"/>
                         <a:t>°C</a:t>
                       </a:r>
                     </a:p>
@@ -19869,7 +22792,7 @@
                     <a:lstStyle/>
                     <a:p>
                       <a:r>
-                        <a:rPr lang="de-DE" dirty="0"/>
+                        <a:rPr lang="de-DE" sz="2000" dirty="0"/>
                         <a:t>Soll-Temperatur</a:t>
                       </a:r>
                     </a:p>
@@ -19901,14 +22824,14 @@
           <p:nvPr>
             <p:extLst>
               <p:ext uri="{D42A27DB-BD31-4B8C-83A1-F6EECF244321}">
-                <p14:modId xmlns:p14="http://schemas.microsoft.com/office/powerpoint/2010/main" val="261292692"/>
+                <p14:modId xmlns:p14="http://schemas.microsoft.com/office/powerpoint/2010/main" val="1982544627"/>
               </p:ext>
             </p:extLst>
           </p:nvPr>
         </p:nvGraphicFramePr>
         <p:xfrm>
           <a:off x="405879" y="4161582"/>
-          <a:ext cx="11377610" cy="1752600"/>
+          <a:ext cx="11377610" cy="1559560"/>
         </p:xfrm>
         <a:graphic>
           <a:graphicData uri="http://schemas.openxmlformats.org/drawingml/2006/table">
@@ -19938,14 +22861,14 @@
                     </a:ext>
                   </a:extLst>
                 </a:gridCol>
-                <a:gridCol w="1879282">
+                <a:gridCol w="1341400">
                   <a:extLst>
                     <a:ext uri="{9D8B030D-6E8A-4147-A177-3AD203B41FA5}">
                       <a16:colId xmlns:a16="http://schemas.microsoft.com/office/drawing/2014/main" val="4247817987"/>
                     </a:ext>
                   </a:extLst>
                 </a:gridCol>
-                <a:gridCol w="2671762">
+                <a:gridCol w="3209644">
                   <a:extLst>
                     <a:ext uri="{9D8B030D-6E8A-4147-A177-3AD203B41FA5}">
                       <a16:colId xmlns:a16="http://schemas.microsoft.com/office/drawing/2014/main" val="351433313"/>
@@ -20032,7 +22955,7 @@
                     <a:lstStyle/>
                     <a:p>
                       <a:r>
-                        <a:rPr lang="de-DE" dirty="0"/>
+                        <a:rPr lang="de-DE" sz="2000" dirty="0"/>
                         <a:t>Data[0]</a:t>
                       </a:r>
                     </a:p>
@@ -20062,18 +22985,18 @@
                         <a:defRPr/>
                       </a:pPr>
                       <a:r>
-                        <a:rPr lang="de-DE" dirty="0" err="1"/>
+                        <a:rPr lang="de-DE" sz="2000" dirty="0" err="1"/>
                         <a:t>signed</a:t>
                       </a:r>
                       <a:r>
-                        <a:rPr lang="de-DE" dirty="0"/>
+                        <a:rPr lang="de-DE" sz="2000" dirty="0"/>
                         <a:t> </a:t>
                       </a:r>
                       <a:r>
-                        <a:rPr lang="de-DE" dirty="0" err="1"/>
+                        <a:rPr lang="de-DE" sz="2000" dirty="0" err="1"/>
                         <a:t>char</a:t>
                       </a:r>
-                      <a:endParaRPr lang="de-DE" dirty="0"/>
+                      <a:endParaRPr lang="de-DE" sz="2000" dirty="0"/>
                     </a:p>
                   </a:txBody>
                   <a:tcPr/>
@@ -20084,8 +23007,8 @@
                     <a:lstStyle/>
                     <a:p>
                       <a:r>
-                        <a:rPr lang="de-DE" dirty="0"/>
-                        <a:t>[-128, 127]</a:t>
+                        <a:rPr lang="de-DE" sz="2000" dirty="0"/>
+                        <a:t>[-55, 125]</a:t>
                       </a:r>
                     </a:p>
                   </a:txBody>
@@ -20097,7 +23020,7 @@
                     <a:lstStyle/>
                     <a:p>
                       <a:r>
-                        <a:rPr lang="de-DE" dirty="0"/>
+                        <a:rPr lang="de-DE" sz="2000" dirty="0"/>
                         <a:t>°C</a:t>
                       </a:r>
                     </a:p>
@@ -20110,14 +23033,14 @@
                     <a:lstStyle/>
                     <a:p>
                       <a:r>
-                        <a:rPr lang="de-DE" dirty="0"/>
+                        <a:rPr lang="de-DE" sz="2000" dirty="0"/>
                         <a:t>Ist-Temperatur </a:t>
                       </a:r>
                       <a:r>
-                        <a:rPr lang="de-DE" dirty="0" err="1"/>
+                        <a:rPr lang="de-DE" sz="2000" dirty="0" err="1"/>
                         <a:t>Vorkomma</a:t>
                       </a:r>
-                      <a:endParaRPr lang="de-DE" dirty="0"/>
+                      <a:endParaRPr lang="de-DE" sz="2000" dirty="0"/>
                     </a:p>
                   </a:txBody>
                   <a:tcPr/>
@@ -20135,7 +23058,7 @@
                     <a:lstStyle/>
                     <a:p>
                       <a:r>
-                        <a:rPr lang="de-DE" dirty="0"/>
+                        <a:rPr lang="de-DE" sz="2000" dirty="0"/>
                         <a:t>Data[1]</a:t>
                       </a:r>
                     </a:p>
@@ -20148,18 +23071,18 @@
                     <a:lstStyle/>
                     <a:p>
                       <a:r>
-                        <a:rPr lang="de-DE" dirty="0" err="1"/>
+                        <a:rPr lang="de-DE" sz="2000" dirty="0" err="1"/>
                         <a:t>unsigned</a:t>
                       </a:r>
                       <a:r>
-                        <a:rPr lang="de-DE" dirty="0"/>
+                        <a:rPr lang="de-DE" sz="2000" dirty="0"/>
                         <a:t> </a:t>
                       </a:r>
                       <a:r>
-                        <a:rPr lang="de-DE" dirty="0" err="1"/>
+                        <a:rPr lang="de-DE" sz="2000" dirty="0" err="1"/>
                         <a:t>char</a:t>
                       </a:r>
-                      <a:endParaRPr lang="de-DE" dirty="0"/>
+                      <a:endParaRPr lang="de-DE" sz="2000" dirty="0"/>
                     </a:p>
                   </a:txBody>
                   <a:tcPr/>
@@ -20170,7 +23093,7 @@
                     <a:lstStyle/>
                     <a:p>
                       <a:r>
-                        <a:rPr lang="de-DE" dirty="0"/>
+                        <a:rPr lang="de-DE" sz="2000" dirty="0"/>
                         <a:t>[0, 9]</a:t>
                       </a:r>
                     </a:p>
@@ -20183,7 +23106,7 @@
                     <a:lstStyle/>
                     <a:p>
                       <a:r>
-                        <a:rPr lang="de-DE" dirty="0"/>
+                        <a:rPr lang="de-DE" sz="2000" dirty="0"/>
                         <a:t>0,1°C</a:t>
                       </a:r>
                     </a:p>
@@ -20196,7 +23119,7 @@
                     <a:lstStyle/>
                     <a:p>
                       <a:r>
-                        <a:rPr lang="de-DE" dirty="0"/>
+                        <a:rPr lang="de-DE" sz="2000" dirty="0"/>
                         <a:t>Ist-Temperatur Nachkomma</a:t>
                       </a:r>
                     </a:p>
@@ -20216,7 +23139,7 @@
                     <a:lstStyle/>
                     <a:p>
                       <a:r>
-                        <a:rPr lang="de-DE" dirty="0"/>
+                        <a:rPr lang="de-DE" sz="2000" dirty="0"/>
                         <a:t>Data[2]</a:t>
                       </a:r>
                     </a:p>
@@ -20229,18 +23152,18 @@
                     <a:lstStyle/>
                     <a:p>
                       <a:r>
-                        <a:rPr lang="de-DE" dirty="0" err="1"/>
+                        <a:rPr lang="de-DE" sz="2000" dirty="0" err="1"/>
                         <a:t>unsigned</a:t>
                       </a:r>
                       <a:r>
-                        <a:rPr lang="de-DE" dirty="0"/>
+                        <a:rPr lang="de-DE" sz="2000" dirty="0"/>
                         <a:t> </a:t>
                       </a:r>
                       <a:r>
-                        <a:rPr lang="de-DE" dirty="0" err="1"/>
+                        <a:rPr lang="de-DE" sz="2000" dirty="0" err="1"/>
                         <a:t>char</a:t>
                       </a:r>
-                      <a:endParaRPr lang="de-DE" dirty="0"/>
+                      <a:endParaRPr lang="de-DE" sz="2000" dirty="0"/>
                     </a:p>
                   </a:txBody>
                   <a:tcPr/>
@@ -20251,7 +23174,7 @@
                     <a:lstStyle/>
                     <a:p>
                       <a:r>
-                        <a:rPr lang="de-DE" dirty="0"/>
+                        <a:rPr lang="de-DE" sz="2000" dirty="0"/>
                         <a:t>[0, 5]</a:t>
                       </a:r>
                     </a:p>
@@ -20264,7 +23187,7 @@
                     <a:lstStyle/>
                     <a:p>
                       <a:r>
-                        <a:rPr lang="de-DE" dirty="0"/>
+                        <a:rPr lang="de-DE" sz="2000" dirty="0"/>
                         <a:t>-</a:t>
                       </a:r>
                     </a:p>
@@ -20277,7 +23200,7 @@
                     <a:lstStyle/>
                     <a:p>
                       <a:r>
-                        <a:rPr lang="de-DE" dirty="0"/>
+                        <a:rPr lang="de-DE" sz="2000" dirty="0"/>
                         <a:t>Aktuelle Heizstufe</a:t>
                       </a:r>
                     </a:p>
@@ -20308,8 +23231,8 @@
         </p:nvSpPr>
         <p:spPr>
           <a:xfrm>
-            <a:off x="405879" y="2039117"/>
-            <a:ext cx="4510366" cy="369332"/>
+            <a:off x="405879" y="2054138"/>
+            <a:ext cx="4510366" cy="400110"/>
           </a:xfrm>
           <a:prstGeom prst="rect">
             <a:avLst/>
@@ -20323,7 +23246,7 @@
           <a:lstStyle/>
           <a:p>
             <a:r>
-              <a:rPr lang="de-DE" dirty="0"/>
+              <a:rPr lang="de-DE" sz="2000" dirty="0"/>
               <a:t>CAN-In</a:t>
             </a:r>
           </a:p>
@@ -20343,8 +23266,8 @@
         </p:nvSpPr>
         <p:spPr>
           <a:xfrm>
-            <a:off x="405879" y="3772535"/>
-            <a:ext cx="4510366" cy="369332"/>
+            <a:off x="405879" y="3761472"/>
+            <a:ext cx="4510366" cy="400110"/>
           </a:xfrm>
           <a:prstGeom prst="rect">
             <a:avLst/>
@@ -20358,7 +23281,7 @@
           <a:lstStyle/>
           <a:p>
             <a:r>
-              <a:rPr lang="de-DE" dirty="0"/>
+              <a:rPr lang="de-DE" sz="2000" dirty="0"/>
               <a:t>CAN-Out</a:t>
             </a:r>
           </a:p>
@@ -20516,123 +23439,11 @@
           <a:p>
             <a:r>
               <a:rPr lang="de-DE" dirty="0"/>
-              <a:t>Literatur- und Abbildungsverzeichnis</a:t>
+              <a:t>Literaturverzeichnis</a:t>
             </a:r>
           </a:p>
         </p:txBody>
       </p:sp>
-      <p:graphicFrame>
-        <p:nvGraphicFramePr>
-          <p:cNvPr id="8" name="Table 8">
-            <a:extLst>
-              <a:ext uri="{FF2B5EF4-FFF2-40B4-BE49-F238E27FC236}">
-                <a16:creationId xmlns:a16="http://schemas.microsoft.com/office/drawing/2014/main" id="{F983061A-AF82-FC5C-2CD3-3C82EB7366AB}"/>
-              </a:ext>
-            </a:extLst>
-          </p:cNvPr>
-          <p:cNvGraphicFramePr>
-            <a:graphicFrameLocks noGrp="1"/>
-          </p:cNvGraphicFramePr>
-          <p:nvPr>
-            <p:ph idx="13"/>
-            <p:extLst>
-              <p:ext uri="{D42A27DB-BD31-4B8C-83A1-F6EECF244321}">
-                <p14:modId xmlns:p14="http://schemas.microsoft.com/office/powerpoint/2010/main" val="1717544342"/>
-              </p:ext>
-            </p:extLst>
-          </p:nvPr>
-        </p:nvGraphicFramePr>
-        <p:xfrm>
-          <a:off x="406397" y="3429000"/>
-          <a:ext cx="11377614" cy="741680"/>
-        </p:xfrm>
-        <a:graphic>
-          <a:graphicData uri="http://schemas.openxmlformats.org/drawingml/2006/table">
-            <a:tbl>
-              <a:tblPr firstRow="1" bandRow="1">
-                <a:tableStyleId>{69012ECD-51FC-41F1-AA8D-1B2483CD663E}</a:tableStyleId>
-              </a:tblPr>
-              <a:tblGrid>
-                <a:gridCol w="4466814">
-                  <a:extLst>
-                    <a:ext uri="{9D8B030D-6E8A-4147-A177-3AD203B41FA5}">
-                      <a16:colId xmlns:a16="http://schemas.microsoft.com/office/drawing/2014/main" val="486878493"/>
-                    </a:ext>
-                  </a:extLst>
-                </a:gridCol>
-                <a:gridCol w="6910800">
-                  <a:extLst>
-                    <a:ext uri="{9D8B030D-6E8A-4147-A177-3AD203B41FA5}">
-                      <a16:colId xmlns:a16="http://schemas.microsoft.com/office/drawing/2014/main" val="376574840"/>
-                    </a:ext>
-                  </a:extLst>
-                </a:gridCol>
-              </a:tblGrid>
-              <a:tr h="370840">
-                <a:tc>
-                  <a:txBody>
-                    <a:bodyPr/>
-                    <a:lstStyle/>
-                    <a:p>
-                      <a:r>
-                        <a:rPr lang="de-DE" dirty="0"/>
-                        <a:t>Abbildungen</a:t>
-                      </a:r>
-                    </a:p>
-                  </a:txBody>
-                  <a:tcPr/>
-                </a:tc>
-                <a:tc>
-                  <a:txBody>
-                    <a:bodyPr/>
-                    <a:lstStyle/>
-                    <a:p>
-                      <a:endParaRPr lang="de-DE" dirty="0"/>
-                    </a:p>
-                  </a:txBody>
-                  <a:tcPr/>
-                </a:tc>
-                <a:extLst>
-                  <a:ext uri="{0D108BD9-81ED-4DB2-BD59-A6C34878D82A}">
-                    <a16:rowId xmlns:a16="http://schemas.microsoft.com/office/drawing/2014/main" val="676016009"/>
-                  </a:ext>
-                </a:extLst>
-              </a:tr>
-              <a:tr h="370840">
-                <a:tc>
-                  <a:txBody>
-                    <a:bodyPr/>
-                    <a:lstStyle/>
-                    <a:p>
-                      <a:endParaRPr lang="de-DE" dirty="0">
-                        <a:solidFill>
-                          <a:schemeClr val="tx1"/>
-                        </a:solidFill>
-                      </a:endParaRPr>
-                    </a:p>
-                  </a:txBody>
-                  <a:tcPr/>
-                </a:tc>
-                <a:tc>
-                  <a:txBody>
-                    <a:bodyPr/>
-                    <a:lstStyle/>
-                    <a:p>
-                      <a:endParaRPr lang="de-DE" dirty="0"/>
-                    </a:p>
-                  </a:txBody>
-                  <a:tcPr/>
-                </a:tc>
-                <a:extLst>
-                  <a:ext uri="{0D108BD9-81ED-4DB2-BD59-A6C34878D82A}">
-                    <a16:rowId xmlns:a16="http://schemas.microsoft.com/office/drawing/2014/main" val="890603831"/>
-                  </a:ext>
-                </a:extLst>
-              </a:tr>
-            </a:tbl>
-          </a:graphicData>
-        </a:graphic>
-      </p:graphicFrame>
       <p:graphicFrame>
         <p:nvGraphicFramePr>
           <p:cNvPr id="10" name="Table 10">
@@ -20648,20 +23459,20 @@
           <p:nvPr>
             <p:extLst>
               <p:ext uri="{D42A27DB-BD31-4B8C-83A1-F6EECF244321}">
-                <p14:modId xmlns:p14="http://schemas.microsoft.com/office/powerpoint/2010/main" val="780711976"/>
+                <p14:modId xmlns:p14="http://schemas.microsoft.com/office/powerpoint/2010/main" val="459182712"/>
               </p:ext>
             </p:extLst>
           </p:nvPr>
         </p:nvGraphicFramePr>
         <p:xfrm>
-          <a:off x="406396" y="2116569"/>
-          <a:ext cx="11377091" cy="741680"/>
+          <a:off x="406398" y="2050575"/>
+          <a:ext cx="11377091" cy="3383280"/>
         </p:xfrm>
         <a:graphic>
           <a:graphicData uri="http://schemas.openxmlformats.org/drawingml/2006/table">
             <a:tbl>
               <a:tblPr firstRow="1" bandRow="1">
-                <a:tableStyleId>{69012ECD-51FC-41F1-AA8D-1B2483CD663E}</a:tableStyleId>
+                <a:tableStyleId>{2D5ABB26-0587-4C30-8999-92F81FD0307C}</a:tableStyleId>
               </a:tblPr>
               <a:tblGrid>
                 <a:gridCol w="11377091">
@@ -20679,16 +23490,46 @@
                     <a:lstStyle/>
                     <a:p>
                       <a:r>
-                        <a:rPr lang="de-DE" dirty="0"/>
-                        <a:t>Literatur</a:t>
+                        <a:rPr lang="de-DE" sz="1800" b="0" u="none" strike="noStrike" kern="1200" baseline="0" dirty="0" err="1">
+                          <a:solidFill>
+                            <a:schemeClr val="tx1"/>
+                          </a:solidFill>
+                        </a:rPr>
+                        <a:t>Meroth</a:t>
                       </a:r>
+                      <a:r>
+                        <a:rPr lang="de-DE" sz="1800" b="0" u="none" strike="noStrike" kern="1200" baseline="0" dirty="0">
+                          <a:solidFill>
+                            <a:schemeClr val="tx1"/>
+                          </a:solidFill>
+                        </a:rPr>
+                        <a:t>, Ansgar und Sora, Petre: Sensornetzwerke in Theorie und Praxis, Heilbronn und Wiesbaden, 2021 (2. Auflage) </a:t>
+                      </a:r>
+                    </a:p>
+                    <a:p>
+                      <a:r>
+                        <a:rPr lang="de-DE" sz="1800" b="0" u="none" strike="noStrike" kern="1200" baseline="0" dirty="0">
+                          <a:solidFill>
+                            <a:schemeClr val="tx1"/>
+                          </a:solidFill>
+                        </a:rPr>
+                        <a:t>Unbekannt: ATmega48PA/88PA/168PA [DATASHEET], https://ww1.microchip.com/downloads/en/DeviceDoc/Atmel-9223-Automotive-Microcontrollers-ATmega48PA-ATmega88PA-ATmega168PA_Datasheet.pdf (Stand: 05.01.2023) </a:t>
+                      </a:r>
+                      <a:endParaRPr lang="de-DE" sz="1800" b="0" i="0" u="none" strike="noStrike" kern="1200" baseline="0" dirty="0">
+                        <a:solidFill>
+                          <a:schemeClr val="tx1"/>
+                        </a:solidFill>
+                        <a:latin typeface="+mn-lt"/>
+                        <a:ea typeface="+mn-ea"/>
+                        <a:cs typeface="+mn-cs"/>
+                      </a:endParaRPr>
                     </a:p>
                   </a:txBody>
                   <a:tcPr/>
                 </a:tc>
                 <a:extLst>
                   <a:ext uri="{0D108BD9-81ED-4DB2-BD59-A6C34878D82A}">
-                    <a16:rowId xmlns:a16="http://schemas.microsoft.com/office/drawing/2014/main" val="3884119712"/>
+                    <a16:rowId xmlns:a16="http://schemas.microsoft.com/office/drawing/2014/main" val="2093027556"/>
                   </a:ext>
                 </a:extLst>
               </a:tr>
@@ -20698,6 +23539,145 @@
                     <a:bodyPr/>
                     <a:lstStyle/>
                     <a:p>
+                      <a:pPr marL="0" marR="0" lvl="0" indent="0" algn="l" defTabSz="914407" rtl="0" eaLnBrk="1" fontAlgn="auto" latinLnBrk="0" hangingPunct="1">
+                        <a:lnSpc>
+                          <a:spcPct val="100000"/>
+                        </a:lnSpc>
+                        <a:spcBef>
+                          <a:spcPts val="0"/>
+                        </a:spcBef>
+                        <a:spcAft>
+                          <a:spcPts val="0"/>
+                        </a:spcAft>
+                        <a:buClrTx/>
+                        <a:buSzTx/>
+                        <a:buFontTx/>
+                        <a:buNone/>
+                        <a:tabLst/>
+                        <a:defRPr/>
+                      </a:pPr>
+                      <a:r>
+                        <a:rPr lang="de-DE" sz="1800" b="0" u="none" strike="noStrike" kern="1200" baseline="0" dirty="0">
+                          <a:solidFill>
+                            <a:schemeClr val="tx1"/>
+                          </a:solidFill>
+                        </a:rPr>
+                        <a:t>Unbekannt: </a:t>
+                      </a:r>
+                      <a:r>
+                        <a:rPr lang="de-DE" sz="1800" b="0" u="none" strike="noStrike" kern="1200" baseline="0" dirty="0" err="1">
+                          <a:solidFill>
+                            <a:schemeClr val="tx1"/>
+                          </a:solidFill>
+                        </a:rPr>
+                        <a:t>Servo</a:t>
+                      </a:r>
+                      <a:r>
+                        <a:rPr lang="de-DE" sz="1800" b="0" u="none" strike="noStrike" kern="1200" baseline="0" dirty="0">
+                          <a:solidFill>
+                            <a:schemeClr val="tx1"/>
+                          </a:solidFill>
+                        </a:rPr>
+                        <a:t>-Motor-Kit User Manual, https://eu.mouser.com/datasheet/2/598/ervo_Motor_Kit-1020966.pdf (Stand: 05.01.2023) </a:t>
+                      </a:r>
+                      <a:endParaRPr lang="de-DE" sz="1800" b="0" i="0" u="none" strike="noStrike" kern="1200" baseline="0" dirty="0">
+                        <a:solidFill>
+                          <a:schemeClr val="tx1"/>
+                        </a:solidFill>
+                        <a:latin typeface="+mn-lt"/>
+                        <a:ea typeface="+mn-ea"/>
+                        <a:cs typeface="+mn-cs"/>
+                      </a:endParaRPr>
+                    </a:p>
+                  </a:txBody>
+                  <a:tcPr/>
+                </a:tc>
+                <a:extLst>
+                  <a:ext uri="{0D108BD9-81ED-4DB2-BD59-A6C34878D82A}">
+                    <a16:rowId xmlns:a16="http://schemas.microsoft.com/office/drawing/2014/main" val="1229151117"/>
+                  </a:ext>
+                </a:extLst>
+              </a:tr>
+              <a:tr h="370840">
+                <a:tc>
+                  <a:txBody>
+                    <a:bodyPr/>
+                    <a:lstStyle/>
+                    <a:p>
+                      <a:pPr marL="0" marR="0" lvl="0" indent="0" algn="l" defTabSz="914407" rtl="0" eaLnBrk="1" fontAlgn="auto" latinLnBrk="0" hangingPunct="1">
+                        <a:lnSpc>
+                          <a:spcPct val="100000"/>
+                        </a:lnSpc>
+                        <a:spcBef>
+                          <a:spcPts val="0"/>
+                        </a:spcBef>
+                        <a:spcAft>
+                          <a:spcPts val="0"/>
+                        </a:spcAft>
+                        <a:buClrTx/>
+                        <a:buSzTx/>
+                        <a:buFontTx/>
+                        <a:buNone/>
+                        <a:tabLst/>
+                        <a:defRPr/>
+                      </a:pPr>
+                      <a:r>
+                        <a:rPr lang="de-DE" sz="1800" b="0" u="none" strike="noStrike" kern="1200" baseline="0" dirty="0">
+                          <a:solidFill>
+                            <a:schemeClr val="tx1"/>
+                          </a:solidFill>
+                        </a:rPr>
+                        <a:t>Unbekannt: TMP75B Datasheet, https://www.ti.com/lit/ds/symlink/tmp75b.pdf?ts=1672919165643&amp;ref_url=https%253A%252F%252Fwww.ti.com%252Fproduct%252FTMP75B (Stand: 05.01.2023) </a:t>
+                      </a:r>
+                      <a:endParaRPr lang="de-DE" sz="1800" b="0" i="0" u="none" strike="noStrike" kern="1200" baseline="0" dirty="0">
+                        <a:solidFill>
+                          <a:schemeClr val="tx1"/>
+                        </a:solidFill>
+                        <a:latin typeface="+mn-lt"/>
+                        <a:ea typeface="+mn-ea"/>
+                        <a:cs typeface="+mn-cs"/>
+                      </a:endParaRPr>
+                    </a:p>
+                  </a:txBody>
+                  <a:tcPr/>
+                </a:tc>
+                <a:extLst>
+                  <a:ext uri="{0D108BD9-81ED-4DB2-BD59-A6C34878D82A}">
+                    <a16:rowId xmlns:a16="http://schemas.microsoft.com/office/drawing/2014/main" val="247471837"/>
+                  </a:ext>
+                </a:extLst>
+              </a:tr>
+              <a:tr h="370840">
+                <a:tc>
+                  <a:txBody>
+                    <a:bodyPr/>
+                    <a:lstStyle/>
+                    <a:p>
+                      <a:pPr marL="0" marR="0" lvl="0" indent="0" algn="l" defTabSz="914407" rtl="0" eaLnBrk="1" fontAlgn="auto" latinLnBrk="0" hangingPunct="1">
+                        <a:lnSpc>
+                          <a:spcPct val="100000"/>
+                        </a:lnSpc>
+                        <a:spcBef>
+                          <a:spcPts val="0"/>
+                        </a:spcBef>
+                        <a:spcAft>
+                          <a:spcPts val="0"/>
+                        </a:spcAft>
+                        <a:buClrTx/>
+                        <a:buSzTx/>
+                        <a:buFontTx/>
+                        <a:buNone/>
+                        <a:tabLst/>
+                        <a:defRPr/>
+                      </a:pPr>
+                      <a:r>
+                        <a:rPr lang="en-US" sz="1800" b="0" u="none" strike="noStrike" kern="1200" baseline="0" dirty="0">
+                          <a:solidFill>
+                            <a:schemeClr val="tx1"/>
+                          </a:solidFill>
+                        </a:rPr>
+                        <a:t>Tessie: WS2812B Addressable RGB LED: Datasheet, Pinout and Applications, https://www.utmel.com/components/ws2812b-addressable-rgb-led-datasheet-pinout-and-applications?id=534 (Stand: 05.01.2023) </a:t>
+                      </a:r>
                       <a:endParaRPr lang="de-DE" dirty="0"/>
                     </a:p>
                   </a:txBody>
@@ -20705,7 +23685,7 @@
                 </a:tc>
                 <a:extLst>
                   <a:ext uri="{0D108BD9-81ED-4DB2-BD59-A6C34878D82A}">
-                    <a16:rowId xmlns:a16="http://schemas.microsoft.com/office/drawing/2014/main" val="2093027556"/>
+                    <a16:rowId xmlns:a16="http://schemas.microsoft.com/office/drawing/2014/main" val="756709309"/>
                   </a:ext>
                 </a:extLst>
               </a:tr>
@@ -22116,17 +25096,6 @@
 </file>
 
 <file path=customXml/item1.xml><?xml version="1.0" encoding="utf-8"?>
-<p:properties xmlns:p="http://schemas.microsoft.com/office/2006/metadata/properties" xmlns:xsi="http://www.w3.org/2001/XMLSchema-instance" xmlns:pc="http://schemas.microsoft.com/office/infopath/2007/PartnerControls">
-  <documentManagement>
-    <lcf76f155ced4ddcb4097134ff3c332f xmlns="e1a4e9d1-002c-44d1-a7df-d1d440f2d89c">
-      <Terms xmlns="http://schemas.microsoft.com/office/infopath/2007/PartnerControls"/>
-    </lcf76f155ced4ddcb4097134ff3c332f>
-    <TaxCatchAll xmlns="396d3ce1-f135-45f1-a004-8da1c81eaf02" xsi:nil="true"/>
-  </documentManagement>
-</p:properties>
-</file>
-
-<file path=customXml/item2.xml><?xml version="1.0" encoding="utf-8"?>
 <ct:contentTypeSchema xmlns:ct="http://schemas.microsoft.com/office/2006/metadata/contentType" xmlns:ma="http://schemas.microsoft.com/office/2006/metadata/properties/metaAttributes" ct:_="" ma:_="" ma:contentTypeName="Document" ma:contentTypeID="0x01010071315C8266D65147BEEF21714B380DFC" ma:contentTypeVersion="12" ma:contentTypeDescription="Create a new document." ma:contentTypeScope="" ma:versionID="ae14c92c52cedeef1460d511b82b4719">
   <xsd:schema xmlns:xsd="http://www.w3.org/2001/XMLSchema" xmlns:xs="http://www.w3.org/2001/XMLSchema" xmlns:p="http://schemas.microsoft.com/office/2006/metadata/properties" xmlns:ns2="e1a4e9d1-002c-44d1-a7df-d1d440f2d89c" xmlns:ns3="396d3ce1-f135-45f1-a004-8da1c81eaf02" targetNamespace="http://schemas.microsoft.com/office/2006/metadata/properties" ma:root="true" ma:fieldsID="30ae492b1ebb9fd38c43b4ed6abfe70d" ns2:_="" ns3:_="">
     <xsd:import namespace="e1a4e9d1-002c-44d1-a7df-d1d440f2d89c"/>
@@ -22345,6 +25314,17 @@
 </ct:contentTypeSchema>
 </file>
 
+<file path=customXml/item2.xml><?xml version="1.0" encoding="utf-8"?>
+<p:properties xmlns:p="http://schemas.microsoft.com/office/2006/metadata/properties" xmlns:xsi="http://www.w3.org/2001/XMLSchema-instance" xmlns:pc="http://schemas.microsoft.com/office/infopath/2007/PartnerControls">
+  <documentManagement>
+    <lcf76f155ced4ddcb4097134ff3c332f xmlns="e1a4e9d1-002c-44d1-a7df-d1d440f2d89c">
+      <Terms xmlns="http://schemas.microsoft.com/office/infopath/2007/PartnerControls"/>
+    </lcf76f155ced4ddcb4097134ff3c332f>
+    <TaxCatchAll xmlns="396d3ce1-f135-45f1-a004-8da1c81eaf02" xsi:nil="true"/>
+  </documentManagement>
+</p:properties>
+</file>
+
 <file path=customXml/item3.xml><?xml version="1.0" encoding="utf-8"?>
 <?mso-contentType ?>
 <FormTemplates xmlns="http://schemas.microsoft.com/sharepoint/v3/contenttype/forms">
@@ -22355,19 +25335,6 @@
 </file>
 
 <file path=customXml/itemProps1.xml><?xml version="1.0" encoding="utf-8"?>
-<ds:datastoreItem xmlns:ds="http://schemas.openxmlformats.org/officeDocument/2006/customXml" ds:itemID="{41303304-D675-4AEC-B056-9DF2E7E157C6}">
-  <ds:schemaRefs>
-    <ds:schemaRef ds:uri="396d3ce1-f135-45f1-a004-8da1c81eaf02"/>
-    <ds:schemaRef ds:uri="e1a4e9d1-002c-44d1-a7df-d1d440f2d89c"/>
-    <ds:schemaRef ds:uri="http://schemas.microsoft.com/office/2006/metadata/properties"/>
-    <ds:schemaRef ds:uri="http://schemas.microsoft.com/office/infopath/2007/PartnerControls"/>
-    <ds:schemaRef ds:uri="http://www.w3.org/2000/xmlns/"/>
-    <ds:schemaRef ds:uri="http://www.w3.org/2001/XMLSchema-instance"/>
-  </ds:schemaRefs>
-</ds:datastoreItem>
-</file>
-
-<file path=customXml/itemProps2.xml><?xml version="1.0" encoding="utf-8"?>
 <ds:datastoreItem xmlns:ds="http://schemas.openxmlformats.org/officeDocument/2006/customXml" ds:itemID="{33061106-0B7E-4C54-909B-385CA0897467}">
   <ds:schemaRefs>
     <ds:schemaRef ds:uri="http://schemas.microsoft.com/office/2006/metadata/contentType"/>
@@ -22386,6 +25353,19 @@
 </ds:datastoreItem>
 </file>
 
+<file path=customXml/itemProps2.xml><?xml version="1.0" encoding="utf-8"?>
+<ds:datastoreItem xmlns:ds="http://schemas.openxmlformats.org/officeDocument/2006/customXml" ds:itemID="{41303304-D675-4AEC-B056-9DF2E7E157C6}">
+  <ds:schemaRefs>
+    <ds:schemaRef ds:uri="396d3ce1-f135-45f1-a004-8da1c81eaf02"/>
+    <ds:schemaRef ds:uri="e1a4e9d1-002c-44d1-a7df-d1d440f2d89c"/>
+    <ds:schemaRef ds:uri="http://schemas.microsoft.com/office/2006/metadata/properties"/>
+    <ds:schemaRef ds:uri="http://schemas.microsoft.com/office/infopath/2007/PartnerControls"/>
+    <ds:schemaRef ds:uri="http://www.w3.org/2000/xmlns/"/>
+    <ds:schemaRef ds:uri="http://www.w3.org/2001/XMLSchema-instance"/>
+  </ds:schemaRefs>
+</ds:datastoreItem>
+</file>
+
 <file path=customXml/itemProps3.xml><?xml version="1.0" encoding="utf-8"?>
 <ds:datastoreItem xmlns:ds="http://schemas.openxmlformats.org/officeDocument/2006/customXml" ds:itemID="{E554B1BE-D081-4D49-A9A8-02DBC419D9B4}">
   <ds:schemaRefs>

--- a/Dokumentation/thermostat_presentation.pptx
+++ b/Dokumentation/thermostat_presentation.pptx
@@ -6,17 +6,18 @@
     <p:sldMasterId id="2147483671" r:id="rId5"/>
   </p:sldMasterIdLst>
   <p:notesMasterIdLst>
-    <p:notesMasterId r:id="rId14"/>
+    <p:notesMasterId r:id="rId15"/>
   </p:notesMasterIdLst>
   <p:sldIdLst>
     <p:sldId id="276" r:id="rId6"/>
     <p:sldId id="300" r:id="rId7"/>
     <p:sldId id="304" r:id="rId8"/>
-    <p:sldId id="301" r:id="rId9"/>
-    <p:sldId id="302" r:id="rId10"/>
-    <p:sldId id="303" r:id="rId11"/>
-    <p:sldId id="299" r:id="rId12"/>
-    <p:sldId id="269" r:id="rId13"/>
+    <p:sldId id="305" r:id="rId9"/>
+    <p:sldId id="301" r:id="rId10"/>
+    <p:sldId id="302" r:id="rId11"/>
+    <p:sldId id="303" r:id="rId12"/>
+    <p:sldId id="299" r:id="rId13"/>
+    <p:sldId id="269" r:id="rId14"/>
   </p:sldIdLst>
   <p:sldSz cx="12192000" cy="6858000"/>
   <p:notesSz cx="6858000" cy="9144000"/>
@@ -236,7 +237,7 @@
           <a:p>
             <a:fld id="{CF93AEB5-C303-4762-90A0-AF697EB357C4}" type="datetimeFigureOut">
               <a:rPr lang="de-DE" smtClean="0"/>
-              <a:t>14.01.2023</a:t>
+              <a:t>15.01.2023</a:t>
             </a:fld>
             <a:endParaRPr lang="de-DE"/>
           </a:p>
@@ -568,7 +569,7 @@
           <a:p>
             <a:fld id="{590C587F-9620-41AA-8442-404D6D597627}" type="slidenum">
               <a:rPr lang="de-DE" smtClean="0"/>
-              <a:t>8</a:t>
+              <a:t>9</a:t>
             </a:fld>
             <a:endParaRPr lang="de-DE"/>
           </a:p>
@@ -19123,6 +19124,265 @@
           <p:cNvPr id="2" name="Date Placeholder 1">
             <a:extLst>
               <a:ext uri="{FF2B5EF4-FFF2-40B4-BE49-F238E27FC236}">
+                <a16:creationId xmlns:a16="http://schemas.microsoft.com/office/drawing/2014/main" id="{0A44CE6D-BC13-3E78-A779-391B0E801B07}"/>
+              </a:ext>
+            </a:extLst>
+          </p:cNvPr>
+          <p:cNvSpPr>
+            <a:spLocks noGrp="1"/>
+          </p:cNvSpPr>
+          <p:nvPr>
+            <p:ph type="dt" sz="half" idx="10"/>
+          </p:nvPr>
+        </p:nvSpPr>
+        <p:spPr/>
+        <p:txBody>
+          <a:bodyPr/>
+          <a:lstStyle/>
+          <a:p>
+            <a:r>
+              <a:rPr lang="de-DE"/>
+              <a:t>Campus Sontheim</a:t>
+            </a:r>
+            <a:endParaRPr lang="en-US"/>
+          </a:p>
+        </p:txBody>
+      </p:sp>
+      <p:sp>
+        <p:nvSpPr>
+          <p:cNvPr id="3" name="Footer Placeholder 2">
+            <a:extLst>
+              <a:ext uri="{FF2B5EF4-FFF2-40B4-BE49-F238E27FC236}">
+                <a16:creationId xmlns:a16="http://schemas.microsoft.com/office/drawing/2014/main" id="{3DD0F5E8-9826-E5B8-BB7F-721CB692058C}"/>
+              </a:ext>
+            </a:extLst>
+          </p:cNvPr>
+          <p:cNvSpPr>
+            <a:spLocks noGrp="1"/>
+          </p:cNvSpPr>
+          <p:nvPr>
+            <p:ph type="ftr" sz="quarter" idx="11"/>
+          </p:nvPr>
+        </p:nvSpPr>
+        <p:spPr/>
+        <p:txBody>
+          <a:bodyPr/>
+          <a:lstStyle/>
+          <a:p>
+            <a:r>
+              <a:rPr lang="en-US"/>
+              <a:t>Thermostat | Moritz Höhnel und Mattis Ritter / T1 / ASE | WS22/23</a:t>
+            </a:r>
+            <a:endParaRPr lang="en-US" dirty="0"/>
+          </a:p>
+        </p:txBody>
+      </p:sp>
+      <p:sp>
+        <p:nvSpPr>
+          <p:cNvPr id="4" name="Slide Number Placeholder 3">
+            <a:extLst>
+              <a:ext uri="{FF2B5EF4-FFF2-40B4-BE49-F238E27FC236}">
+                <a16:creationId xmlns:a16="http://schemas.microsoft.com/office/drawing/2014/main" id="{7DFF29DF-0841-7943-B58D-3B29FE654E33}"/>
+              </a:ext>
+            </a:extLst>
+          </p:cNvPr>
+          <p:cNvSpPr>
+            <a:spLocks noGrp="1"/>
+          </p:cNvSpPr>
+          <p:nvPr>
+            <p:ph type="sldNum" sz="quarter" idx="12"/>
+          </p:nvPr>
+        </p:nvSpPr>
+        <p:spPr/>
+        <p:txBody>
+          <a:bodyPr/>
+          <a:lstStyle/>
+          <a:p>
+            <a:r>
+              <a:rPr lang="en-US"/>
+              <a:t>|  </a:t>
+            </a:r>
+            <a:fld id="{E6B5151A-17C4-4431-8407-112C0160A8B6}" type="slidenum">
+              <a:rPr lang="en-US" smtClean="0"/>
+              <a:pPr/>
+              <a:t>4</a:t>
+            </a:fld>
+            <a:endParaRPr lang="en-US"/>
+          </a:p>
+        </p:txBody>
+      </p:sp>
+      <p:sp>
+        <p:nvSpPr>
+          <p:cNvPr id="5" name="Title 4">
+            <a:extLst>
+              <a:ext uri="{FF2B5EF4-FFF2-40B4-BE49-F238E27FC236}">
+                <a16:creationId xmlns:a16="http://schemas.microsoft.com/office/drawing/2014/main" id="{E1F96779-60C5-BA48-F455-DA3767E58A2F}"/>
+              </a:ext>
+            </a:extLst>
+          </p:cNvPr>
+          <p:cNvSpPr>
+            <a:spLocks noGrp="1"/>
+          </p:cNvSpPr>
+          <p:nvPr>
+            <p:ph type="title"/>
+          </p:nvPr>
+        </p:nvSpPr>
+        <p:spPr/>
+        <p:txBody>
+          <a:bodyPr/>
+          <a:lstStyle/>
+          <a:p>
+            <a:r>
+              <a:rPr lang="de-DE" dirty="0"/>
+              <a:t>Softwarearchitektur</a:t>
+            </a:r>
+            <a:br>
+              <a:rPr lang="de-DE" dirty="0"/>
+            </a:br>
+            <a:r>
+              <a:rPr lang="de-DE" b="0" dirty="0"/>
+              <a:t>Zustandsübergangsdiagramm</a:t>
+            </a:r>
+            <a:endParaRPr lang="de-DE" dirty="0"/>
+          </a:p>
+        </p:txBody>
+      </p:sp>
+      <p:grpSp>
+        <p:nvGrpSpPr>
+          <p:cNvPr id="7" name="Group 6">
+            <a:extLst>
+              <a:ext uri="{FF2B5EF4-FFF2-40B4-BE49-F238E27FC236}">
+                <a16:creationId xmlns:a16="http://schemas.microsoft.com/office/drawing/2014/main" id="{CD13C84D-5114-E857-25F1-CCF88A20314C}"/>
+              </a:ext>
+            </a:extLst>
+          </p:cNvPr>
+          <p:cNvGrpSpPr/>
+          <p:nvPr/>
+        </p:nvGrpSpPr>
+        <p:grpSpPr>
+          <a:xfrm>
+            <a:off x="1661595" y="1937881"/>
+            <a:ext cx="8866695" cy="4446868"/>
+            <a:chOff x="0" y="0"/>
+            <a:chExt cx="5847080" cy="2890520"/>
+          </a:xfrm>
+        </p:grpSpPr>
+        <p:pic>
+          <p:nvPicPr>
+            <p:cNvPr id="8" name="Picture 7">
+              <a:extLst>
+                <a:ext uri="{FF2B5EF4-FFF2-40B4-BE49-F238E27FC236}">
+                  <a16:creationId xmlns:a16="http://schemas.microsoft.com/office/drawing/2014/main" id="{799902F6-6A7F-A6D0-131C-C002C31D3C75}"/>
+                </a:ext>
+              </a:extLst>
+            </p:cNvPr>
+            <p:cNvPicPr>
+              <a:picLocks noChangeAspect="1"/>
+            </p:cNvPicPr>
+            <p:nvPr/>
+          </p:nvPicPr>
+          <p:blipFill rotWithShape="1">
+            <a:blip r:embed="rId2" cstate="print">
+              <a:extLst>
+                <a:ext uri="{28A0092B-C50C-407E-A947-70E740481C1C}">
+                  <a14:useLocalDpi xmlns:a14="http://schemas.microsoft.com/office/drawing/2010/main" val="0"/>
+                </a:ext>
+              </a:extLst>
+            </a:blip>
+            <a:srcRect t="30783" r="5026"/>
+            <a:stretch/>
+          </p:blipFill>
+          <p:spPr bwMode="auto">
+            <a:xfrm>
+              <a:off x="0" y="0"/>
+              <a:ext cx="5847080" cy="2087880"/>
+            </a:xfrm>
+            <a:prstGeom prst="rect">
+              <a:avLst/>
+            </a:prstGeom>
+            <a:noFill/>
+            <a:ln>
+              <a:noFill/>
+            </a:ln>
+            <a:extLst>
+              <a:ext uri="{53640926-AAD7-44D8-BBD7-CCE9431645EC}">
+                <a14:shadowObscured xmlns:a14="http://schemas.microsoft.com/office/drawing/2010/main"/>
+              </a:ext>
+            </a:extLst>
+          </p:spPr>
+        </p:pic>
+        <p:pic>
+          <p:nvPicPr>
+            <p:cNvPr id="9" name="Grafik 1" descr="Ein Bild, das Tisch enthält.&#10;&#10;Automatisch generierte Beschreibung">
+              <a:extLst>
+                <a:ext uri="{FF2B5EF4-FFF2-40B4-BE49-F238E27FC236}">
+                  <a16:creationId xmlns:a16="http://schemas.microsoft.com/office/drawing/2014/main" id="{B6F76BFD-75E4-A522-407D-9C1F60BAFC54}"/>
+                </a:ext>
+              </a:extLst>
+            </p:cNvPr>
+            <p:cNvPicPr>
+              <a:picLocks noChangeAspect="1"/>
+            </p:cNvPicPr>
+            <p:nvPr/>
+          </p:nvPicPr>
+          <p:blipFill>
+            <a:blip r:embed="rId3">
+              <a:extLst>
+                <a:ext uri="{28A0092B-C50C-407E-A947-70E740481C1C}">
+                  <a14:useLocalDpi xmlns:a14="http://schemas.microsoft.com/office/drawing/2010/main" val="0"/>
+                </a:ext>
+              </a:extLst>
+            </a:blip>
+            <a:stretch>
+              <a:fillRect/>
+            </a:stretch>
+          </p:blipFill>
+          <p:spPr>
+            <a:xfrm>
+              <a:off x="0" y="2171700"/>
+              <a:ext cx="5760720" cy="718820"/>
+            </a:xfrm>
+            <a:prstGeom prst="rect">
+              <a:avLst/>
+            </a:prstGeom>
+          </p:spPr>
+        </p:pic>
+      </p:grpSp>
+    </p:spTree>
+    <p:extLst>
+      <p:ext uri="{BB962C8B-B14F-4D97-AF65-F5344CB8AC3E}">
+        <p14:creationId xmlns:p14="http://schemas.microsoft.com/office/powerpoint/2010/main" val="1941337832"/>
+      </p:ext>
+    </p:extLst>
+  </p:cSld>
+  <p:clrMapOvr>
+    <a:masterClrMapping/>
+  </p:clrMapOvr>
+</p:sld>
+</file>
+
+<file path=ppt/slides/slide5.xml><?xml version="1.0" encoding="utf-8"?>
+<p:sld xmlns:a="http://schemas.openxmlformats.org/drawingml/2006/main" xmlns:r="http://schemas.openxmlformats.org/officeDocument/2006/relationships" xmlns:p="http://schemas.openxmlformats.org/presentationml/2006/main">
+  <p:cSld>
+    <p:spTree>
+      <p:nvGrpSpPr>
+        <p:cNvPr id="1" name=""/>
+        <p:cNvGrpSpPr/>
+        <p:nvPr/>
+      </p:nvGrpSpPr>
+      <p:grpSpPr>
+        <a:xfrm>
+          <a:off x="0" y="0"/>
+          <a:ext cx="0" cy="0"/>
+          <a:chOff x="0" y="0"/>
+          <a:chExt cx="0" cy="0"/>
+        </a:xfrm>
+      </p:grpSpPr>
+      <p:sp>
+        <p:nvSpPr>
+          <p:cNvPr id="2" name="Date Placeholder 1">
+            <a:extLst>
+              <a:ext uri="{FF2B5EF4-FFF2-40B4-BE49-F238E27FC236}">
                 <a16:creationId xmlns:a16="http://schemas.microsoft.com/office/drawing/2014/main" id="{552BCDBD-0511-5F64-81EB-EEC98A61AF06}"/>
               </a:ext>
             </a:extLst>
@@ -19204,7 +19464,7 @@
             <a:fld id="{E6B5151A-17C4-4431-8407-112C0160A8B6}" type="slidenum">
               <a:rPr lang="en-US" smtClean="0"/>
               <a:pPr/>
-              <a:t>4</a:t>
+              <a:t>5</a:t>
             </a:fld>
             <a:endParaRPr lang="en-US"/>
           </a:p>
@@ -19246,8 +19506,8 @@
           </a:p>
         </p:txBody>
       </p:sp>
-      <mc:AlternateContent xmlns:mc="http://schemas.openxmlformats.org/markup-compatibility/2006">
-        <mc:Choice xmlns:a14="http://schemas.microsoft.com/office/drawing/2010/main" Requires="a14">
+      <mc:AlternateContent xmlns:mc="http://schemas.openxmlformats.org/markup-compatibility/2006" xmlns:a14="http://schemas.microsoft.com/office/drawing/2010/main">
+        <mc:Choice Requires="a14">
           <p:sp>
             <p:nvSpPr>
               <p:cNvPr id="6" name="Vertical Text Placeholder 5">
@@ -19332,7 +19592,7 @@
             </p:txBody>
           </p:sp>
         </mc:Choice>
-        <mc:Fallback>
+        <mc:Fallback xmlns="">
           <p:sp>
             <p:nvSpPr>
               <p:cNvPr id="6" name="Vertical Text Placeholder 5">
@@ -19419,7 +19679,7 @@
 </p:sld>
 </file>
 
-<file path=ppt/slides/slide5.xml><?xml version="1.0" encoding="utf-8"?>
+<file path=ppt/slides/slide6.xml><?xml version="1.0" encoding="utf-8"?>
 <p:sld xmlns:a="http://schemas.openxmlformats.org/drawingml/2006/main" xmlns:r="http://schemas.openxmlformats.org/officeDocument/2006/relationships" xmlns:p="http://schemas.openxmlformats.org/presentationml/2006/main">
   <p:cSld>
     <p:spTree>
@@ -19522,7 +19782,7 @@
             <a:fld id="{E6B5151A-17C4-4431-8407-112C0160A8B6}" type="slidenum">
               <a:rPr lang="en-US" smtClean="0"/>
               <a:pPr/>
-              <a:t>5</a:t>
+              <a:t>6</a:t>
             </a:fld>
             <a:endParaRPr lang="en-US"/>
           </a:p>
@@ -19564,8 +19824,8 @@
           </a:p>
         </p:txBody>
       </p:sp>
-      <mc:AlternateContent xmlns:mc="http://schemas.openxmlformats.org/markup-compatibility/2006">
-        <mc:Choice xmlns:a14="http://schemas.microsoft.com/office/drawing/2010/main" Requires="a14">
+      <mc:AlternateContent xmlns:mc="http://schemas.openxmlformats.org/markup-compatibility/2006" xmlns:a14="http://schemas.microsoft.com/office/drawing/2010/main">
+        <mc:Choice Requires="a14">
           <p:graphicFrame>
             <p:nvGraphicFramePr>
               <p:cNvPr id="14" name="Table 13">
@@ -19852,12 +20112,14 @@
                               <m:r>
                                 <a:rPr lang="en-US" sz="2400">
                                   <a:effectLst/>
+                                  <a:latin typeface="Cambria Math" panose="02040503050406030204" pitchFamily="18" charset="0"/>
                                 </a:rPr>
                                 <m:t>2,5</m:t>
                               </m:r>
                               <m:r>
                                 <a:rPr lang="en-US" sz="2400">
                                   <a:effectLst/>
+                                  <a:latin typeface="Cambria Math" panose="02040503050406030204" pitchFamily="18" charset="0"/>
                                 </a:rPr>
                                 <m:t>𝑚𝑠</m:t>
                               </m:r>
@@ -19962,12 +20224,14 @@
                               <m:r>
                                 <a:rPr lang="en-US" sz="2400">
                                   <a:effectLst/>
+                                  <a:latin typeface="Cambria Math" panose="02040503050406030204" pitchFamily="18" charset="0"/>
                                 </a:rPr>
                                 <m:t>2,1</m:t>
                               </m:r>
                               <m:r>
                                 <a:rPr lang="en-US" sz="2400">
                                   <a:effectLst/>
+                                  <a:latin typeface="Cambria Math" panose="02040503050406030204" pitchFamily="18" charset="0"/>
                                 </a:rPr>
                                 <m:t>𝑚𝑠</m:t>
                               </m:r>
@@ -20072,12 +20336,14 @@
                               <m:r>
                                 <a:rPr lang="en-US" sz="2400">
                                   <a:effectLst/>
+                                  <a:latin typeface="Cambria Math" panose="02040503050406030204" pitchFamily="18" charset="0"/>
                                 </a:rPr>
                                 <m:t>1,7</m:t>
                               </m:r>
                               <m:r>
                                 <a:rPr lang="en-US" sz="2400">
                                   <a:effectLst/>
+                                  <a:latin typeface="Cambria Math" panose="02040503050406030204" pitchFamily="18" charset="0"/>
                                 </a:rPr>
                                 <m:t>𝑚𝑠</m:t>
                               </m:r>
@@ -20182,12 +20448,14 @@
                               <m:r>
                                 <a:rPr lang="en-US" sz="2400">
                                   <a:effectLst/>
+                                  <a:latin typeface="Cambria Math" panose="02040503050406030204" pitchFamily="18" charset="0"/>
                                 </a:rPr>
                                 <m:t>1,3</m:t>
                               </m:r>
                               <m:r>
                                 <a:rPr lang="en-US" sz="2400">
                                   <a:effectLst/>
+                                  <a:latin typeface="Cambria Math" panose="02040503050406030204" pitchFamily="18" charset="0"/>
                                 </a:rPr>
                                 <m:t>𝑚𝑠</m:t>
                               </m:r>
@@ -20292,12 +20560,14 @@
                               <m:r>
                                 <a:rPr lang="en-US" sz="2400">
                                   <a:effectLst/>
+                                  <a:latin typeface="Cambria Math" panose="02040503050406030204" pitchFamily="18" charset="0"/>
                                 </a:rPr>
                                 <m:t>0,9</m:t>
                               </m:r>
                               <m:r>
                                 <a:rPr lang="en-US" sz="2400">
                                   <a:effectLst/>
+                                  <a:latin typeface="Cambria Math" panose="02040503050406030204" pitchFamily="18" charset="0"/>
                                 </a:rPr>
                                 <m:t>𝑚𝑠</m:t>
                               </m:r>
@@ -20402,12 +20672,14 @@
                               <m:r>
                                 <a:rPr lang="en-US" sz="2400">
                                   <a:effectLst/>
+                                  <a:latin typeface="Cambria Math" panose="02040503050406030204" pitchFamily="18" charset="0"/>
                                 </a:rPr>
                                 <m:t>0,5</m:t>
                               </m:r>
                               <m:r>
                                 <a:rPr lang="en-US" sz="2400">
                                   <a:effectLst/>
+                                  <a:latin typeface="Cambria Math" panose="02040503050406030204" pitchFamily="18" charset="0"/>
                                 </a:rPr>
                                 <m:t>𝑚𝑠</m:t>
                               </m:r>
@@ -20469,7 +20741,7 @@
             </a:graphic>
           </p:graphicFrame>
         </mc:Choice>
-        <mc:Fallback>
+        <mc:Fallback xmlns="">
           <p:graphicFrame>
             <p:nvGraphicFramePr>
               <p:cNvPr id="14" name="Table 13">
@@ -22447,7 +22719,7 @@
 </p:sld>
 </file>
 
-<file path=ppt/slides/slide6.xml><?xml version="1.0" encoding="utf-8"?>
+<file path=ppt/slides/slide7.xml><?xml version="1.0" encoding="utf-8"?>
 <p:sld xmlns:a="http://schemas.openxmlformats.org/drawingml/2006/main" xmlns:r="http://schemas.openxmlformats.org/officeDocument/2006/relationships" xmlns:p="http://schemas.openxmlformats.org/presentationml/2006/main">
   <p:cSld>
     <p:spTree>
@@ -22550,7 +22822,7 @@
             <a:fld id="{E6B5151A-17C4-4431-8407-112C0160A8B6}" type="slidenum">
               <a:rPr lang="en-US" smtClean="0"/>
               <a:pPr/>
-              <a:t>6</a:t>
+              <a:t>7</a:t>
             </a:fld>
             <a:endParaRPr lang="en-US"/>
           </a:p>
@@ -23300,7 +23572,7 @@
 </p:sld>
 </file>
 
-<file path=ppt/slides/slide7.xml><?xml version="1.0" encoding="utf-8"?>
+<file path=ppt/slides/slide8.xml><?xml version="1.0" encoding="utf-8"?>
 <p:sld xmlns:a="http://schemas.openxmlformats.org/drawingml/2006/main" xmlns:r="http://schemas.openxmlformats.org/officeDocument/2006/relationships" xmlns:p="http://schemas.openxmlformats.org/presentationml/2006/main">
   <p:cSld>
     <p:spTree>
@@ -23410,7 +23682,7 @@
             <a:fld id="{E6B5151A-17C4-4431-8407-112C0160A8B6}" type="slidenum">
               <a:rPr lang="en-US" smtClean="0"/>
               <a:pPr/>
-              <a:t>7</a:t>
+              <a:t>8</a:t>
             </a:fld>
             <a:endParaRPr lang="en-US"/>
           </a:p>
@@ -23706,7 +23978,7 @@
 </p:sld>
 </file>
 
-<file path=ppt/slides/slide8.xml><?xml version="1.0" encoding="utf-8"?>
+<file path=ppt/slides/slide9.xml><?xml version="1.0" encoding="utf-8"?>
 <p:sld xmlns:a="http://schemas.openxmlformats.org/drawingml/2006/main" xmlns:r="http://schemas.openxmlformats.org/officeDocument/2006/relationships" xmlns:p="http://schemas.openxmlformats.org/presentationml/2006/main">
   <p:cSld>
     <p:spTree>
@@ -23820,7 +24092,7 @@
             <a:fld id="{E6B5151A-17C4-4431-8407-112C0160A8B6}" type="slidenum">
               <a:rPr lang="en-US" smtClean="0"/>
               <a:pPr/>
-              <a:t>8</a:t>
+              <a:t>9</a:t>
             </a:fld>
             <a:endParaRPr lang="en-US"/>
           </a:p>
@@ -25096,6 +25368,17 @@
 </file>
 
 <file path=customXml/item1.xml><?xml version="1.0" encoding="utf-8"?>
+<p:properties xmlns:p="http://schemas.microsoft.com/office/2006/metadata/properties" xmlns:xsi="http://www.w3.org/2001/XMLSchema-instance" xmlns:pc="http://schemas.microsoft.com/office/infopath/2007/PartnerControls">
+  <documentManagement>
+    <lcf76f155ced4ddcb4097134ff3c332f xmlns="e1a4e9d1-002c-44d1-a7df-d1d440f2d89c">
+      <Terms xmlns="http://schemas.microsoft.com/office/infopath/2007/PartnerControls"/>
+    </lcf76f155ced4ddcb4097134ff3c332f>
+    <TaxCatchAll xmlns="396d3ce1-f135-45f1-a004-8da1c81eaf02" xsi:nil="true"/>
+  </documentManagement>
+</p:properties>
+</file>
+
+<file path=customXml/item2.xml><?xml version="1.0" encoding="utf-8"?>
 <ct:contentTypeSchema xmlns:ct="http://schemas.microsoft.com/office/2006/metadata/contentType" xmlns:ma="http://schemas.microsoft.com/office/2006/metadata/properties/metaAttributes" ct:_="" ma:_="" ma:contentTypeName="Document" ma:contentTypeID="0x01010071315C8266D65147BEEF21714B380DFC" ma:contentTypeVersion="12" ma:contentTypeDescription="Create a new document." ma:contentTypeScope="" ma:versionID="ae14c92c52cedeef1460d511b82b4719">
   <xsd:schema xmlns:xsd="http://www.w3.org/2001/XMLSchema" xmlns:xs="http://www.w3.org/2001/XMLSchema" xmlns:p="http://schemas.microsoft.com/office/2006/metadata/properties" xmlns:ns2="e1a4e9d1-002c-44d1-a7df-d1d440f2d89c" xmlns:ns3="396d3ce1-f135-45f1-a004-8da1c81eaf02" targetNamespace="http://schemas.microsoft.com/office/2006/metadata/properties" ma:root="true" ma:fieldsID="30ae492b1ebb9fd38c43b4ed6abfe70d" ns2:_="" ns3:_="">
     <xsd:import namespace="e1a4e9d1-002c-44d1-a7df-d1d440f2d89c"/>
@@ -25314,17 +25597,6 @@
 </ct:contentTypeSchema>
 </file>
 
-<file path=customXml/item2.xml><?xml version="1.0" encoding="utf-8"?>
-<p:properties xmlns:p="http://schemas.microsoft.com/office/2006/metadata/properties" xmlns:xsi="http://www.w3.org/2001/XMLSchema-instance" xmlns:pc="http://schemas.microsoft.com/office/infopath/2007/PartnerControls">
-  <documentManagement>
-    <lcf76f155ced4ddcb4097134ff3c332f xmlns="e1a4e9d1-002c-44d1-a7df-d1d440f2d89c">
-      <Terms xmlns="http://schemas.microsoft.com/office/infopath/2007/PartnerControls"/>
-    </lcf76f155ced4ddcb4097134ff3c332f>
-    <TaxCatchAll xmlns="396d3ce1-f135-45f1-a004-8da1c81eaf02" xsi:nil="true"/>
-  </documentManagement>
-</p:properties>
-</file>
-
 <file path=customXml/item3.xml><?xml version="1.0" encoding="utf-8"?>
 <?mso-contentType ?>
 <FormTemplates xmlns="http://schemas.microsoft.com/sharepoint/v3/contenttype/forms">
@@ -25335,6 +25607,19 @@
 </file>
 
 <file path=customXml/itemProps1.xml><?xml version="1.0" encoding="utf-8"?>
+<ds:datastoreItem xmlns:ds="http://schemas.openxmlformats.org/officeDocument/2006/customXml" ds:itemID="{41303304-D675-4AEC-B056-9DF2E7E157C6}">
+  <ds:schemaRefs>
+    <ds:schemaRef ds:uri="396d3ce1-f135-45f1-a004-8da1c81eaf02"/>
+    <ds:schemaRef ds:uri="e1a4e9d1-002c-44d1-a7df-d1d440f2d89c"/>
+    <ds:schemaRef ds:uri="http://schemas.microsoft.com/office/2006/metadata/properties"/>
+    <ds:schemaRef ds:uri="http://schemas.microsoft.com/office/infopath/2007/PartnerControls"/>
+    <ds:schemaRef ds:uri="http://www.w3.org/2000/xmlns/"/>
+    <ds:schemaRef ds:uri="http://www.w3.org/2001/XMLSchema-instance"/>
+  </ds:schemaRefs>
+</ds:datastoreItem>
+</file>
+
+<file path=customXml/itemProps2.xml><?xml version="1.0" encoding="utf-8"?>
 <ds:datastoreItem xmlns:ds="http://schemas.openxmlformats.org/officeDocument/2006/customXml" ds:itemID="{33061106-0B7E-4C54-909B-385CA0897467}">
   <ds:schemaRefs>
     <ds:schemaRef ds:uri="http://schemas.microsoft.com/office/2006/metadata/contentType"/>
@@ -25353,19 +25638,6 @@
 </ds:datastoreItem>
 </file>
 
-<file path=customXml/itemProps2.xml><?xml version="1.0" encoding="utf-8"?>
-<ds:datastoreItem xmlns:ds="http://schemas.openxmlformats.org/officeDocument/2006/customXml" ds:itemID="{41303304-D675-4AEC-B056-9DF2E7E157C6}">
-  <ds:schemaRefs>
-    <ds:schemaRef ds:uri="396d3ce1-f135-45f1-a004-8da1c81eaf02"/>
-    <ds:schemaRef ds:uri="e1a4e9d1-002c-44d1-a7df-d1d440f2d89c"/>
-    <ds:schemaRef ds:uri="http://schemas.microsoft.com/office/2006/metadata/properties"/>
-    <ds:schemaRef ds:uri="http://schemas.microsoft.com/office/infopath/2007/PartnerControls"/>
-    <ds:schemaRef ds:uri="http://www.w3.org/2000/xmlns/"/>
-    <ds:schemaRef ds:uri="http://www.w3.org/2001/XMLSchema-instance"/>
-  </ds:schemaRefs>
-</ds:datastoreItem>
-</file>
-
 <file path=customXml/itemProps3.xml><?xml version="1.0" encoding="utf-8"?>
 <ds:datastoreItem xmlns:ds="http://schemas.openxmlformats.org/officeDocument/2006/customXml" ds:itemID="{E554B1BE-D081-4D49-A9A8-02DBC419D9B4}">
   <ds:schemaRefs>
